--- a/MachineLearning/K-MeansClustering/K-MeansClustering.pptx
+++ b/MachineLearning/K-MeansClustering/K-MeansClustering.pptx
@@ -209,7 +209,7 @@
             <a:fld id="{98BFDCCA-FFB9-49F6-B56E-F6432283D67C}" type="datetimeFigureOut">
               <a:rPr lang="en-US" smtClean="0"/>
               <a:pPr/>
-              <a:t>1/3/2023</a:t>
+              <a:t>2/14/2023</a:t>
             </a:fld>
             <a:endParaRPr lang="en-US"/>
           </a:p>
@@ -1112,7 +1112,7 @@
             <a:fld id="{9099FEDA-6AC3-495C-A467-2B0399D71BB7}" type="datetimeFigureOut">
               <a:rPr lang="en-US" smtClean="0"/>
               <a:pPr/>
-              <a:t>1/3/2023</a:t>
+              <a:t>2/14/2023</a:t>
             </a:fld>
             <a:endParaRPr lang="en-US"/>
           </a:p>
@@ -1279,7 +1279,7 @@
             <a:fld id="{9099FEDA-6AC3-495C-A467-2B0399D71BB7}" type="datetimeFigureOut">
               <a:rPr lang="en-US" smtClean="0"/>
               <a:pPr/>
-              <a:t>1/3/2023</a:t>
+              <a:t>2/14/2023</a:t>
             </a:fld>
             <a:endParaRPr lang="en-US"/>
           </a:p>
@@ -1456,7 +1456,7 @@
             <a:fld id="{9099FEDA-6AC3-495C-A467-2B0399D71BB7}" type="datetimeFigureOut">
               <a:rPr lang="en-US" smtClean="0"/>
               <a:pPr/>
-              <a:t>1/3/2023</a:t>
+              <a:t>2/14/2023</a:t>
             </a:fld>
             <a:endParaRPr lang="en-US"/>
           </a:p>
@@ -1623,7 +1623,7 @@
             <a:fld id="{9099FEDA-6AC3-495C-A467-2B0399D71BB7}" type="datetimeFigureOut">
               <a:rPr lang="en-US" smtClean="0"/>
               <a:pPr/>
-              <a:t>1/3/2023</a:t>
+              <a:t>2/14/2023</a:t>
             </a:fld>
             <a:endParaRPr lang="en-US"/>
           </a:p>
@@ -1866,7 +1866,7 @@
             <a:fld id="{9099FEDA-6AC3-495C-A467-2B0399D71BB7}" type="datetimeFigureOut">
               <a:rPr lang="en-US" smtClean="0"/>
               <a:pPr/>
-              <a:t>1/3/2023</a:t>
+              <a:t>2/14/2023</a:t>
             </a:fld>
             <a:endParaRPr lang="en-US"/>
           </a:p>
@@ -2151,7 +2151,7 @@
             <a:fld id="{9099FEDA-6AC3-495C-A467-2B0399D71BB7}" type="datetimeFigureOut">
               <a:rPr lang="en-US" smtClean="0"/>
               <a:pPr/>
-              <a:t>1/3/2023</a:t>
+              <a:t>2/14/2023</a:t>
             </a:fld>
             <a:endParaRPr lang="en-US"/>
           </a:p>
@@ -2570,7 +2570,7 @@
             <a:fld id="{9099FEDA-6AC3-495C-A467-2B0399D71BB7}" type="datetimeFigureOut">
               <a:rPr lang="en-US" smtClean="0"/>
               <a:pPr/>
-              <a:t>1/3/2023</a:t>
+              <a:t>2/14/2023</a:t>
             </a:fld>
             <a:endParaRPr lang="en-US"/>
           </a:p>
@@ -2685,7 +2685,7 @@
             <a:fld id="{9099FEDA-6AC3-495C-A467-2B0399D71BB7}" type="datetimeFigureOut">
               <a:rPr lang="en-US" smtClean="0"/>
               <a:pPr/>
-              <a:t>1/3/2023</a:t>
+              <a:t>2/14/2023</a:t>
             </a:fld>
             <a:endParaRPr lang="en-US"/>
           </a:p>
@@ -2777,7 +2777,7 @@
             <a:fld id="{9099FEDA-6AC3-495C-A467-2B0399D71BB7}" type="datetimeFigureOut">
               <a:rPr lang="en-US" smtClean="0"/>
               <a:pPr/>
-              <a:t>1/3/2023</a:t>
+              <a:t>2/14/2023</a:t>
             </a:fld>
             <a:endParaRPr lang="en-US"/>
           </a:p>
@@ -3051,7 +3051,7 @@
             <a:fld id="{9099FEDA-6AC3-495C-A467-2B0399D71BB7}" type="datetimeFigureOut">
               <a:rPr lang="en-US" smtClean="0"/>
               <a:pPr/>
-              <a:t>1/3/2023</a:t>
+              <a:t>2/14/2023</a:t>
             </a:fld>
             <a:endParaRPr lang="en-US"/>
           </a:p>
@@ -3301,7 +3301,7 @@
             <a:fld id="{9099FEDA-6AC3-495C-A467-2B0399D71BB7}" type="datetimeFigureOut">
               <a:rPr lang="en-US" smtClean="0"/>
               <a:pPr/>
-              <a:t>1/3/2023</a:t>
+              <a:t>2/14/2023</a:t>
             </a:fld>
             <a:endParaRPr lang="en-US"/>
           </a:p>
@@ -3511,7 +3511,7 @@
             <a:fld id="{9099FEDA-6AC3-495C-A467-2B0399D71BB7}" type="datetimeFigureOut">
               <a:rPr lang="en-US" smtClean="0"/>
               <a:pPr/>
-              <a:t>1/3/2023</a:t>
+              <a:t>2/14/2023</a:t>
             </a:fld>
             <a:endParaRPr lang="en-US"/>
           </a:p>
@@ -3922,18 +3922,34 @@
           </a:xfrm>
         </p:spPr>
         <p:txBody>
-          <a:bodyPr/>
+          <a:bodyPr>
+            <a:normAutofit fontScale="92500"/>
+          </a:bodyPr>
           <a:lstStyle/>
           <a:p>
             <a:r>
               <a:rPr lang="en-US" dirty="0" smtClean="0"/>
-              <a:t>Computer Division</a:t>
+              <a:t>Pritam Prakash Shete</a:t>
             </a:r>
           </a:p>
           <a:p>
             <a:r>
               <a:rPr lang="en-US" dirty="0" smtClean="0"/>
-              <a:t>Bhabha Atomic Research Centre</a:t>
+              <a:t>Computer Division, BARC </a:t>
+            </a:r>
+          </a:p>
+          <a:p>
+            <a:r>
+              <a:rPr lang="en-IN" dirty="0" smtClean="0"/>
+              <a:t>Centre for Excellence in </a:t>
+            </a:r>
+            <a:r>
+              <a:rPr lang="en-IN" smtClean="0"/>
+              <a:t>Basic </a:t>
+            </a:r>
+            <a:r>
+              <a:rPr lang="en-IN" smtClean="0"/>
+              <a:t>Sciences</a:t>
             </a:r>
             <a:endParaRPr lang="en-US" dirty="0"/>
           </a:p>
@@ -4938,13 +4954,8 @@
           <a:p>
             <a:r>
               <a:rPr lang="en-US" dirty="0" smtClean="0"/>
-              <a:t>K means </a:t>
-            </a:r>
-            <a:r>
-              <a:rPr lang="en-US" dirty="0" smtClean="0"/>
-              <a:t>clustering</a:t>
-            </a:r>
-            <a:endParaRPr lang="en-US" dirty="0" smtClean="0"/>
+              <a:t>K means clustering</a:t>
+            </a:r>
           </a:p>
           <a:p>
             <a:r>
@@ -4961,25 +4972,13 @@
           <a:p>
             <a:r>
               <a:rPr lang="en-US" dirty="0" smtClean="0"/>
-              <a:t>Number of </a:t>
-            </a:r>
-            <a:r>
-              <a:rPr lang="en-US" dirty="0" smtClean="0"/>
-              <a:t>clusters</a:t>
-            </a:r>
-          </a:p>
-          <a:p>
-            <a:r>
-              <a:rPr lang="en-US" smtClean="0"/>
-              <a:t>Advantages </a:t>
-            </a:r>
-            <a:r>
-              <a:rPr lang="en-US" smtClean="0"/>
-              <a:t>and </a:t>
-            </a:r>
-            <a:r>
-              <a:rPr lang="en-US" smtClean="0"/>
-              <a:t>disadvantages</a:t>
+              <a:t>Number of clusters</a:t>
+            </a:r>
+          </a:p>
+          <a:p>
+            <a:r>
+              <a:rPr lang="en-US" smtClean="0"/>
+              <a:t>Advantages and disadvantages</a:t>
             </a:r>
             <a:endParaRPr lang="en-US" dirty="0" smtClean="0"/>
           </a:p>

--- a/MachineLearning/K-MeansClustering/K-MeansClustering.pptx
+++ b/MachineLearning/K-MeansClustering/K-MeansClustering.pptx
@@ -5,7 +5,7 @@
     <p:sldMasterId id="2147483648" r:id="rId1"/>
   </p:sldMasterIdLst>
   <p:notesMasterIdLst>
-    <p:notesMasterId r:id="rId19"/>
+    <p:notesMasterId r:id="rId21"/>
   </p:notesMasterIdLst>
   <p:sldIdLst>
     <p:sldId id="256" r:id="rId2"/>
@@ -16,15 +16,17 @@
     <p:sldId id="274" r:id="rId7"/>
     <p:sldId id="275" r:id="rId8"/>
     <p:sldId id="276" r:id="rId9"/>
-    <p:sldId id="277" r:id="rId10"/>
-    <p:sldId id="282" r:id="rId11"/>
-    <p:sldId id="281" r:id="rId12"/>
-    <p:sldId id="279" r:id="rId13"/>
-    <p:sldId id="280" r:id="rId14"/>
-    <p:sldId id="283" r:id="rId15"/>
-    <p:sldId id="284" r:id="rId16"/>
-    <p:sldId id="285" r:id="rId17"/>
-    <p:sldId id="269" r:id="rId18"/>
+    <p:sldId id="286" r:id="rId10"/>
+    <p:sldId id="287" r:id="rId11"/>
+    <p:sldId id="277" r:id="rId12"/>
+    <p:sldId id="282" r:id="rId13"/>
+    <p:sldId id="281" r:id="rId14"/>
+    <p:sldId id="279" r:id="rId15"/>
+    <p:sldId id="280" r:id="rId16"/>
+    <p:sldId id="283" r:id="rId17"/>
+    <p:sldId id="284" r:id="rId18"/>
+    <p:sldId id="285" r:id="rId19"/>
+    <p:sldId id="269" r:id="rId20"/>
   </p:sldIdLst>
   <p:sldSz cx="9144000" cy="6858000" type="screen4x3"/>
   <p:notesSz cx="6858000" cy="9144000"/>
@@ -123,6 +125,22 @@
       </a:defRPr>
     </a:lvl9pPr>
   </p:defaultTextStyle>
+  <p:extLst>
+    <p:ext uri="{EFAFB233-063F-42B5-8137-9DF3F51BA10A}">
+      <p15:sldGuideLst xmlns:p15="http://schemas.microsoft.com/office/powerpoint/2012/main">
+        <p15:guide id="1" orient="horz" pos="2160">
+          <p15:clr>
+            <a:srgbClr val="A4A3A4"/>
+          </p15:clr>
+        </p15:guide>
+        <p15:guide id="2" pos="2880">
+          <p15:clr>
+            <a:srgbClr val="A4A3A4"/>
+          </p15:clr>
+        </p15:guide>
+      </p15:sldGuideLst>
+    </p:ext>
+  </p:extLst>
 </p:presentation>
 </file>
 
@@ -209,7 +227,7 @@
             <a:fld id="{98BFDCCA-FFB9-49F6-B56E-F6432283D67C}" type="datetimeFigureOut">
               <a:rPr lang="en-US" smtClean="0"/>
               <a:pPr/>
-              <a:t>2/14/2023</a:t>
+              <a:t>1/31/2025</a:t>
             </a:fld>
             <a:endParaRPr lang="en-US"/>
           </a:p>
@@ -275,38 +293,37 @@
           <a:p>
             <a:pPr lvl="0"/>
             <a:r>
-              <a:rPr lang="en-US" smtClean="0"/>
+              <a:rPr lang="en-US"/>
               <a:t>Click to edit Master text styles</a:t>
             </a:r>
           </a:p>
           <a:p>
             <a:pPr lvl="1"/>
             <a:r>
-              <a:rPr lang="en-US" smtClean="0"/>
+              <a:rPr lang="en-US"/>
               <a:t>Second level</a:t>
             </a:r>
           </a:p>
           <a:p>
             <a:pPr lvl="2"/>
             <a:r>
-              <a:rPr lang="en-US" smtClean="0"/>
+              <a:rPr lang="en-US"/>
               <a:t>Third level</a:t>
             </a:r>
           </a:p>
           <a:p>
             <a:pPr lvl="3"/>
             <a:r>
-              <a:rPr lang="en-US" smtClean="0"/>
+              <a:rPr lang="en-US"/>
               <a:t>Fourth level</a:t>
             </a:r>
           </a:p>
           <a:p>
             <a:pPr lvl="4"/>
             <a:r>
-              <a:rPr lang="en-US" smtClean="0"/>
+              <a:rPr lang="en-US"/>
               <a:t>Fifth level</a:t>
             </a:r>
-            <a:endParaRPr lang="en-US"/>
           </a:p>
         </p:txBody>
       </p:sp>
@@ -522,12 +539,12 @@
           <a:lstStyle/>
           <a:p>
             <a:r>
-              <a:rPr lang="en-US" dirty="0" smtClean="0"/>
+              <a:rPr lang="en-US" dirty="0"/>
               <a:t>All type + examples + GAN</a:t>
             </a:r>
           </a:p>
           <a:p>
-            <a:endParaRPr lang="en-US" dirty="0" smtClean="0"/>
+            <a:endParaRPr lang="en-US" dirty="0"/>
           </a:p>
           <a:p>
             <a:endParaRPr lang="en-US" dirty="0"/>
@@ -613,12 +630,12 @@
           <a:lstStyle/>
           <a:p>
             <a:r>
-              <a:rPr lang="en-US" dirty="0" smtClean="0"/>
+              <a:rPr lang="en-US" dirty="0"/>
               <a:t>All type + examples + GAN</a:t>
             </a:r>
           </a:p>
           <a:p>
-            <a:endParaRPr lang="en-US" dirty="0" smtClean="0"/>
+            <a:endParaRPr lang="en-US" dirty="0"/>
           </a:p>
           <a:p>
             <a:endParaRPr lang="en-US" dirty="0"/>
@@ -704,12 +721,12 @@
           <a:lstStyle/>
           <a:p>
             <a:r>
-              <a:rPr lang="en-US" dirty="0" smtClean="0"/>
+              <a:rPr lang="en-US" dirty="0"/>
               <a:t>All type + examples + GAN</a:t>
             </a:r>
           </a:p>
           <a:p>
-            <a:endParaRPr lang="en-US" dirty="0" smtClean="0"/>
+            <a:endParaRPr lang="en-US" dirty="0"/>
           </a:p>
           <a:p>
             <a:endParaRPr lang="en-US" dirty="0"/>
@@ -795,12 +812,12 @@
           <a:lstStyle/>
           <a:p>
             <a:r>
-              <a:rPr lang="en-US" dirty="0" smtClean="0"/>
+              <a:rPr lang="en-US" dirty="0"/>
               <a:t>All type + examples + GAN</a:t>
             </a:r>
           </a:p>
           <a:p>
-            <a:endParaRPr lang="en-US" dirty="0" smtClean="0"/>
+            <a:endParaRPr lang="en-US" dirty="0"/>
           </a:p>
           <a:p>
             <a:endParaRPr lang="en-US" dirty="0"/>
@@ -886,12 +903,12 @@
           <a:lstStyle/>
           <a:p>
             <a:r>
-              <a:rPr lang="en-US" dirty="0" smtClean="0"/>
+              <a:rPr lang="en-US" dirty="0"/>
               <a:t>All type + examples + GAN</a:t>
             </a:r>
           </a:p>
           <a:p>
-            <a:endParaRPr lang="en-US" dirty="0" smtClean="0"/>
+            <a:endParaRPr lang="en-US" dirty="0"/>
           </a:p>
           <a:p>
             <a:endParaRPr lang="en-US" dirty="0"/>
@@ -923,6 +940,246 @@
         </p:txBody>
       </p:sp>
     </p:spTree>
+  </p:cSld>
+  <p:clrMapOvr>
+    <a:masterClrMapping/>
+  </p:clrMapOvr>
+</p:notes>
+</file>
+
+<file path=ppt/notesSlides/notesSlide6.xml><?xml version="1.0" encoding="utf-8"?>
+<p:notes xmlns:a="http://schemas.openxmlformats.org/drawingml/2006/main" xmlns:r="http://schemas.openxmlformats.org/officeDocument/2006/relationships" xmlns:p="http://schemas.openxmlformats.org/presentationml/2006/main">
+  <p:cSld>
+    <p:spTree>
+      <p:nvGrpSpPr>
+        <p:cNvPr id="1" name="">
+          <a:extLst>
+            <a:ext uri="{FF2B5EF4-FFF2-40B4-BE49-F238E27FC236}">
+              <a16:creationId xmlns:a16="http://schemas.microsoft.com/office/drawing/2014/main" id="{4A4F111B-A480-14D4-A292-9D332EACA0E4}"/>
+            </a:ext>
+          </a:extLst>
+        </p:cNvPr>
+        <p:cNvGrpSpPr/>
+        <p:nvPr/>
+      </p:nvGrpSpPr>
+      <p:grpSpPr>
+        <a:xfrm>
+          <a:off x="0" y="0"/>
+          <a:ext cx="0" cy="0"/>
+          <a:chOff x="0" y="0"/>
+          <a:chExt cx="0" cy="0"/>
+        </a:xfrm>
+      </p:grpSpPr>
+      <p:sp>
+        <p:nvSpPr>
+          <p:cNvPr id="2" name="Slide Image Placeholder 1">
+            <a:extLst>
+              <a:ext uri="{FF2B5EF4-FFF2-40B4-BE49-F238E27FC236}">
+                <a16:creationId xmlns:a16="http://schemas.microsoft.com/office/drawing/2014/main" id="{25C76C23-9FA1-A04A-AE21-6303D8839B19}"/>
+              </a:ext>
+            </a:extLst>
+          </p:cNvPr>
+          <p:cNvSpPr>
+            <a:spLocks noGrp="1" noRot="1" noChangeAspect="1"/>
+          </p:cNvSpPr>
+          <p:nvPr>
+            <p:ph type="sldImg"/>
+          </p:nvPr>
+        </p:nvSpPr>
+        <p:spPr/>
+      </p:sp>
+      <p:sp>
+        <p:nvSpPr>
+          <p:cNvPr id="3" name="Notes Placeholder 2">
+            <a:extLst>
+              <a:ext uri="{FF2B5EF4-FFF2-40B4-BE49-F238E27FC236}">
+                <a16:creationId xmlns:a16="http://schemas.microsoft.com/office/drawing/2014/main" id="{AF9A5BA5-4C3B-D347-3B1A-3E6D876915A6}"/>
+              </a:ext>
+            </a:extLst>
+          </p:cNvPr>
+          <p:cNvSpPr>
+            <a:spLocks noGrp="1"/>
+          </p:cNvSpPr>
+          <p:nvPr>
+            <p:ph type="body" idx="1"/>
+          </p:nvPr>
+        </p:nvSpPr>
+        <p:spPr/>
+        <p:txBody>
+          <a:bodyPr>
+            <a:normAutofit/>
+          </a:bodyPr>
+          <a:lstStyle/>
+          <a:p>
+            <a:r>
+              <a:rPr lang="en-US" dirty="0"/>
+              <a:t>All type + examples + GAN</a:t>
+            </a:r>
+          </a:p>
+          <a:p>
+            <a:endParaRPr lang="en-US" dirty="0"/>
+          </a:p>
+          <a:p>
+            <a:endParaRPr lang="en-US" dirty="0"/>
+          </a:p>
+        </p:txBody>
+      </p:sp>
+      <p:sp>
+        <p:nvSpPr>
+          <p:cNvPr id="4" name="Slide Number Placeholder 3">
+            <a:extLst>
+              <a:ext uri="{FF2B5EF4-FFF2-40B4-BE49-F238E27FC236}">
+                <a16:creationId xmlns:a16="http://schemas.microsoft.com/office/drawing/2014/main" id="{562EF0FF-CA85-02A0-4133-EC8AAB0DBCB2}"/>
+              </a:ext>
+            </a:extLst>
+          </p:cNvPr>
+          <p:cNvSpPr>
+            <a:spLocks noGrp="1"/>
+          </p:cNvSpPr>
+          <p:nvPr>
+            <p:ph type="sldNum" sz="quarter" idx="10"/>
+          </p:nvPr>
+        </p:nvSpPr>
+        <p:spPr/>
+        <p:txBody>
+          <a:bodyPr/>
+          <a:lstStyle/>
+          <a:p>
+            <a:fld id="{F11CF66E-94DE-4C09-8ACB-78AEC241243A}" type="slidenum">
+              <a:rPr lang="en-US" smtClean="0"/>
+              <a:pPr/>
+              <a:t>9</a:t>
+            </a:fld>
+            <a:endParaRPr lang="en-US"/>
+          </a:p>
+        </p:txBody>
+      </p:sp>
+    </p:spTree>
+    <p:extLst>
+      <p:ext uri="{BB962C8B-B14F-4D97-AF65-F5344CB8AC3E}">
+        <p14:creationId xmlns:p14="http://schemas.microsoft.com/office/powerpoint/2010/main" val="2796607644"/>
+      </p:ext>
+    </p:extLst>
+  </p:cSld>
+  <p:clrMapOvr>
+    <a:masterClrMapping/>
+  </p:clrMapOvr>
+</p:notes>
+</file>
+
+<file path=ppt/notesSlides/notesSlide7.xml><?xml version="1.0" encoding="utf-8"?>
+<p:notes xmlns:a="http://schemas.openxmlformats.org/drawingml/2006/main" xmlns:r="http://schemas.openxmlformats.org/officeDocument/2006/relationships" xmlns:p="http://schemas.openxmlformats.org/presentationml/2006/main">
+  <p:cSld>
+    <p:spTree>
+      <p:nvGrpSpPr>
+        <p:cNvPr id="1" name="">
+          <a:extLst>
+            <a:ext uri="{FF2B5EF4-FFF2-40B4-BE49-F238E27FC236}">
+              <a16:creationId xmlns:a16="http://schemas.microsoft.com/office/drawing/2014/main" id="{164E9FF3-68FC-28E4-3184-9245DE1FF5C8}"/>
+            </a:ext>
+          </a:extLst>
+        </p:cNvPr>
+        <p:cNvGrpSpPr/>
+        <p:nvPr/>
+      </p:nvGrpSpPr>
+      <p:grpSpPr>
+        <a:xfrm>
+          <a:off x="0" y="0"/>
+          <a:ext cx="0" cy="0"/>
+          <a:chOff x="0" y="0"/>
+          <a:chExt cx="0" cy="0"/>
+        </a:xfrm>
+      </p:grpSpPr>
+      <p:sp>
+        <p:nvSpPr>
+          <p:cNvPr id="2" name="Slide Image Placeholder 1">
+            <a:extLst>
+              <a:ext uri="{FF2B5EF4-FFF2-40B4-BE49-F238E27FC236}">
+                <a16:creationId xmlns:a16="http://schemas.microsoft.com/office/drawing/2014/main" id="{F5FF3B8D-98BC-F5C4-3947-D2E9B31B17F4}"/>
+              </a:ext>
+            </a:extLst>
+          </p:cNvPr>
+          <p:cNvSpPr>
+            <a:spLocks noGrp="1" noRot="1" noChangeAspect="1"/>
+          </p:cNvSpPr>
+          <p:nvPr>
+            <p:ph type="sldImg"/>
+          </p:nvPr>
+        </p:nvSpPr>
+        <p:spPr/>
+      </p:sp>
+      <p:sp>
+        <p:nvSpPr>
+          <p:cNvPr id="3" name="Notes Placeholder 2">
+            <a:extLst>
+              <a:ext uri="{FF2B5EF4-FFF2-40B4-BE49-F238E27FC236}">
+                <a16:creationId xmlns:a16="http://schemas.microsoft.com/office/drawing/2014/main" id="{7EFCD0BF-BD6D-3AA2-6926-840047829CE3}"/>
+              </a:ext>
+            </a:extLst>
+          </p:cNvPr>
+          <p:cNvSpPr>
+            <a:spLocks noGrp="1"/>
+          </p:cNvSpPr>
+          <p:nvPr>
+            <p:ph type="body" idx="1"/>
+          </p:nvPr>
+        </p:nvSpPr>
+        <p:spPr/>
+        <p:txBody>
+          <a:bodyPr>
+            <a:normAutofit/>
+          </a:bodyPr>
+          <a:lstStyle/>
+          <a:p>
+            <a:r>
+              <a:rPr lang="en-US" dirty="0"/>
+              <a:t>All type + examples + GAN</a:t>
+            </a:r>
+          </a:p>
+          <a:p>
+            <a:endParaRPr lang="en-US" dirty="0"/>
+          </a:p>
+          <a:p>
+            <a:endParaRPr lang="en-US" dirty="0"/>
+          </a:p>
+        </p:txBody>
+      </p:sp>
+      <p:sp>
+        <p:nvSpPr>
+          <p:cNvPr id="4" name="Slide Number Placeholder 3">
+            <a:extLst>
+              <a:ext uri="{FF2B5EF4-FFF2-40B4-BE49-F238E27FC236}">
+                <a16:creationId xmlns:a16="http://schemas.microsoft.com/office/drawing/2014/main" id="{3EED5DCF-E11F-1043-8482-615C730F7CDE}"/>
+              </a:ext>
+            </a:extLst>
+          </p:cNvPr>
+          <p:cNvSpPr>
+            <a:spLocks noGrp="1"/>
+          </p:cNvSpPr>
+          <p:nvPr>
+            <p:ph type="sldNum" sz="quarter" idx="10"/>
+          </p:nvPr>
+        </p:nvSpPr>
+        <p:spPr/>
+        <p:txBody>
+          <a:bodyPr/>
+          <a:lstStyle/>
+          <a:p>
+            <a:fld id="{F11CF66E-94DE-4C09-8ACB-78AEC241243A}" type="slidenum">
+              <a:rPr lang="en-US" smtClean="0"/>
+              <a:pPr/>
+              <a:t>10</a:t>
+            </a:fld>
+            <a:endParaRPr lang="en-US"/>
+          </a:p>
+        </p:txBody>
+      </p:sp>
+    </p:spTree>
+    <p:extLst>
+      <p:ext uri="{BB962C8B-B14F-4D97-AF65-F5344CB8AC3E}">
+        <p14:creationId xmlns:p14="http://schemas.microsoft.com/office/powerpoint/2010/main" val="843083447"/>
+      </p:ext>
+    </p:extLst>
   </p:cSld>
   <p:clrMapOvr>
     <a:masterClrMapping/>
@@ -968,10 +1225,9 @@
           <a:lstStyle/>
           <a:p>
             <a:r>
-              <a:rPr lang="en-US" smtClean="0"/>
+              <a:rPr lang="en-US"/>
               <a:t>Click to edit Master title style</a:t>
             </a:r>
-            <a:endParaRPr lang="en-US"/>
           </a:p>
         </p:txBody>
       </p:sp>
@@ -1087,10 +1343,9 @@
           </a:lstStyle>
           <a:p>
             <a:r>
-              <a:rPr lang="en-US" smtClean="0"/>
+              <a:rPr lang="en-US"/>
               <a:t>Click to edit Master subtitle style</a:t>
             </a:r>
-            <a:endParaRPr lang="en-US"/>
           </a:p>
         </p:txBody>
       </p:sp>
@@ -1112,7 +1367,7 @@
             <a:fld id="{9099FEDA-6AC3-495C-A467-2B0399D71BB7}" type="datetimeFigureOut">
               <a:rPr lang="en-US" smtClean="0"/>
               <a:pPr/>
-              <a:t>2/14/2023</a:t>
+              <a:t>1/31/2025</a:t>
             </a:fld>
             <a:endParaRPr lang="en-US"/>
           </a:p>
@@ -1202,10 +1457,9 @@
           <a:lstStyle/>
           <a:p>
             <a:r>
-              <a:rPr lang="en-US" smtClean="0"/>
+              <a:rPr lang="en-US"/>
               <a:t>Click to edit Master title style</a:t>
             </a:r>
-            <a:endParaRPr lang="en-US"/>
           </a:p>
         </p:txBody>
       </p:sp>
@@ -1226,38 +1480,37 @@
           <a:p>
             <a:pPr lvl="0"/>
             <a:r>
-              <a:rPr lang="en-US" smtClean="0"/>
+              <a:rPr lang="en-US"/>
               <a:t>Click to edit Master text styles</a:t>
             </a:r>
           </a:p>
           <a:p>
             <a:pPr lvl="1"/>
             <a:r>
-              <a:rPr lang="en-US" smtClean="0"/>
+              <a:rPr lang="en-US"/>
               <a:t>Second level</a:t>
             </a:r>
           </a:p>
           <a:p>
             <a:pPr lvl="2"/>
             <a:r>
-              <a:rPr lang="en-US" smtClean="0"/>
+              <a:rPr lang="en-US"/>
               <a:t>Third level</a:t>
             </a:r>
           </a:p>
           <a:p>
             <a:pPr lvl="3"/>
             <a:r>
-              <a:rPr lang="en-US" smtClean="0"/>
+              <a:rPr lang="en-US"/>
               <a:t>Fourth level</a:t>
             </a:r>
           </a:p>
           <a:p>
             <a:pPr lvl="4"/>
             <a:r>
-              <a:rPr lang="en-US" smtClean="0"/>
+              <a:rPr lang="en-US"/>
               <a:t>Fifth level</a:t>
             </a:r>
-            <a:endParaRPr lang="en-US"/>
           </a:p>
         </p:txBody>
       </p:sp>
@@ -1279,7 +1532,7 @@
             <a:fld id="{9099FEDA-6AC3-495C-A467-2B0399D71BB7}" type="datetimeFigureOut">
               <a:rPr lang="en-US" smtClean="0"/>
               <a:pPr/>
-              <a:t>2/14/2023</a:t>
+              <a:t>1/31/2025</a:t>
             </a:fld>
             <a:endParaRPr lang="en-US"/>
           </a:p>
@@ -1374,10 +1627,9 @@
           <a:lstStyle/>
           <a:p>
             <a:r>
-              <a:rPr lang="en-US" smtClean="0"/>
+              <a:rPr lang="en-US"/>
               <a:t>Click to edit Master title style</a:t>
             </a:r>
-            <a:endParaRPr lang="en-US"/>
           </a:p>
         </p:txBody>
       </p:sp>
@@ -1403,38 +1655,37 @@
           <a:p>
             <a:pPr lvl="0"/>
             <a:r>
-              <a:rPr lang="en-US" smtClean="0"/>
+              <a:rPr lang="en-US"/>
               <a:t>Click to edit Master text styles</a:t>
             </a:r>
           </a:p>
           <a:p>
             <a:pPr lvl="1"/>
             <a:r>
-              <a:rPr lang="en-US" smtClean="0"/>
+              <a:rPr lang="en-US"/>
               <a:t>Second level</a:t>
             </a:r>
           </a:p>
           <a:p>
             <a:pPr lvl="2"/>
             <a:r>
-              <a:rPr lang="en-US" smtClean="0"/>
+              <a:rPr lang="en-US"/>
               <a:t>Third level</a:t>
             </a:r>
           </a:p>
           <a:p>
             <a:pPr lvl="3"/>
             <a:r>
-              <a:rPr lang="en-US" smtClean="0"/>
+              <a:rPr lang="en-US"/>
               <a:t>Fourth level</a:t>
             </a:r>
           </a:p>
           <a:p>
             <a:pPr lvl="4"/>
             <a:r>
-              <a:rPr lang="en-US" smtClean="0"/>
+              <a:rPr lang="en-US"/>
               <a:t>Fifth level</a:t>
             </a:r>
-            <a:endParaRPr lang="en-US"/>
           </a:p>
         </p:txBody>
       </p:sp>
@@ -1456,7 +1707,7 @@
             <a:fld id="{9099FEDA-6AC3-495C-A467-2B0399D71BB7}" type="datetimeFigureOut">
               <a:rPr lang="en-US" smtClean="0"/>
               <a:pPr/>
-              <a:t>2/14/2023</a:t>
+              <a:t>1/31/2025</a:t>
             </a:fld>
             <a:endParaRPr lang="en-US"/>
           </a:p>
@@ -1546,10 +1797,9 @@
           <a:lstStyle/>
           <a:p>
             <a:r>
-              <a:rPr lang="en-US" smtClean="0"/>
+              <a:rPr lang="en-US"/>
               <a:t>Click to edit Master title style</a:t>
             </a:r>
-            <a:endParaRPr lang="en-US"/>
           </a:p>
         </p:txBody>
       </p:sp>
@@ -1570,38 +1820,37 @@
           <a:p>
             <a:pPr lvl="0"/>
             <a:r>
-              <a:rPr lang="en-US" smtClean="0"/>
+              <a:rPr lang="en-US"/>
               <a:t>Click to edit Master text styles</a:t>
             </a:r>
           </a:p>
           <a:p>
             <a:pPr lvl="1"/>
             <a:r>
-              <a:rPr lang="en-US" smtClean="0"/>
+              <a:rPr lang="en-US"/>
               <a:t>Second level</a:t>
             </a:r>
           </a:p>
           <a:p>
             <a:pPr lvl="2"/>
             <a:r>
-              <a:rPr lang="en-US" smtClean="0"/>
+              <a:rPr lang="en-US"/>
               <a:t>Third level</a:t>
             </a:r>
           </a:p>
           <a:p>
             <a:pPr lvl="3"/>
             <a:r>
-              <a:rPr lang="en-US" smtClean="0"/>
+              <a:rPr lang="en-US"/>
               <a:t>Fourth level</a:t>
             </a:r>
           </a:p>
           <a:p>
             <a:pPr lvl="4"/>
             <a:r>
-              <a:rPr lang="en-US" smtClean="0"/>
+              <a:rPr lang="en-US"/>
               <a:t>Fifth level</a:t>
             </a:r>
-            <a:endParaRPr lang="en-US"/>
           </a:p>
         </p:txBody>
       </p:sp>
@@ -1623,7 +1872,7 @@
             <a:fld id="{9099FEDA-6AC3-495C-A467-2B0399D71BB7}" type="datetimeFigureOut">
               <a:rPr lang="en-US" smtClean="0"/>
               <a:pPr/>
-              <a:t>2/14/2023</a:t>
+              <a:t>1/31/2025</a:t>
             </a:fld>
             <a:endParaRPr lang="en-US"/>
           </a:p>
@@ -1722,10 +1971,9 @@
           </a:lstStyle>
           <a:p>
             <a:r>
-              <a:rPr lang="en-US" smtClean="0"/>
+              <a:rPr lang="en-US"/>
               <a:t>Click to edit Master title style</a:t>
             </a:r>
-            <a:endParaRPr lang="en-US"/>
           </a:p>
         </p:txBody>
       </p:sp>
@@ -1842,7 +2090,7 @@
           <a:p>
             <a:pPr lvl="0"/>
             <a:r>
-              <a:rPr lang="en-US" smtClean="0"/>
+              <a:rPr lang="en-US"/>
               <a:t>Click to edit Master text styles</a:t>
             </a:r>
           </a:p>
@@ -1866,7 +2114,7 @@
             <a:fld id="{9099FEDA-6AC3-495C-A467-2B0399D71BB7}" type="datetimeFigureOut">
               <a:rPr lang="en-US" smtClean="0"/>
               <a:pPr/>
-              <a:t>2/14/2023</a:t>
+              <a:t>1/31/2025</a:t>
             </a:fld>
             <a:endParaRPr lang="en-US"/>
           </a:p>
@@ -1956,10 +2204,9 @@
           <a:lstStyle/>
           <a:p>
             <a:r>
-              <a:rPr lang="en-US" smtClean="0"/>
+              <a:rPr lang="en-US"/>
               <a:t>Click to edit Master title style</a:t>
             </a:r>
-            <a:endParaRPr lang="en-US"/>
           </a:p>
         </p:txBody>
       </p:sp>
@@ -2013,38 +2260,37 @@
           <a:p>
             <a:pPr lvl="0"/>
             <a:r>
-              <a:rPr lang="en-US" smtClean="0"/>
+              <a:rPr lang="en-US"/>
               <a:t>Click to edit Master text styles</a:t>
             </a:r>
           </a:p>
           <a:p>
             <a:pPr lvl="1"/>
             <a:r>
-              <a:rPr lang="en-US" smtClean="0"/>
+              <a:rPr lang="en-US"/>
               <a:t>Second level</a:t>
             </a:r>
           </a:p>
           <a:p>
             <a:pPr lvl="2"/>
             <a:r>
-              <a:rPr lang="en-US" smtClean="0"/>
+              <a:rPr lang="en-US"/>
               <a:t>Third level</a:t>
             </a:r>
           </a:p>
           <a:p>
             <a:pPr lvl="3"/>
             <a:r>
-              <a:rPr lang="en-US" smtClean="0"/>
+              <a:rPr lang="en-US"/>
               <a:t>Fourth level</a:t>
             </a:r>
           </a:p>
           <a:p>
             <a:pPr lvl="4"/>
             <a:r>
-              <a:rPr lang="en-US" smtClean="0"/>
+              <a:rPr lang="en-US"/>
               <a:t>Fifth level</a:t>
             </a:r>
-            <a:endParaRPr lang="en-US"/>
           </a:p>
         </p:txBody>
       </p:sp>
@@ -2098,38 +2344,37 @@
           <a:p>
             <a:pPr lvl="0"/>
             <a:r>
-              <a:rPr lang="en-US" smtClean="0"/>
+              <a:rPr lang="en-US"/>
               <a:t>Click to edit Master text styles</a:t>
             </a:r>
           </a:p>
           <a:p>
             <a:pPr lvl="1"/>
             <a:r>
-              <a:rPr lang="en-US" smtClean="0"/>
+              <a:rPr lang="en-US"/>
               <a:t>Second level</a:t>
             </a:r>
           </a:p>
           <a:p>
             <a:pPr lvl="2"/>
             <a:r>
-              <a:rPr lang="en-US" smtClean="0"/>
+              <a:rPr lang="en-US"/>
               <a:t>Third level</a:t>
             </a:r>
           </a:p>
           <a:p>
             <a:pPr lvl="3"/>
             <a:r>
-              <a:rPr lang="en-US" smtClean="0"/>
+              <a:rPr lang="en-US"/>
               <a:t>Fourth level</a:t>
             </a:r>
           </a:p>
           <a:p>
             <a:pPr lvl="4"/>
             <a:r>
-              <a:rPr lang="en-US" smtClean="0"/>
+              <a:rPr lang="en-US"/>
               <a:t>Fifth level</a:t>
             </a:r>
-            <a:endParaRPr lang="en-US"/>
           </a:p>
         </p:txBody>
       </p:sp>
@@ -2151,7 +2396,7 @@
             <a:fld id="{9099FEDA-6AC3-495C-A467-2B0399D71BB7}" type="datetimeFigureOut">
               <a:rPr lang="en-US" smtClean="0"/>
               <a:pPr/>
-              <a:t>2/14/2023</a:t>
+              <a:t>1/31/2025</a:t>
             </a:fld>
             <a:endParaRPr lang="en-US"/>
           </a:p>
@@ -2245,10 +2490,9 @@
           </a:lstStyle>
           <a:p>
             <a:r>
-              <a:rPr lang="en-US" smtClean="0"/>
+              <a:rPr lang="en-US"/>
               <a:t>Click to edit Master title style</a:t>
             </a:r>
-            <a:endParaRPr lang="en-US"/>
           </a:p>
         </p:txBody>
       </p:sp>
@@ -2311,7 +2555,7 @@
           <a:p>
             <a:pPr lvl="0"/>
             <a:r>
-              <a:rPr lang="en-US" smtClean="0"/>
+              <a:rPr lang="en-US"/>
               <a:t>Click to edit Master text styles</a:t>
             </a:r>
           </a:p>
@@ -2367,38 +2611,37 @@
           <a:p>
             <a:pPr lvl="0"/>
             <a:r>
-              <a:rPr lang="en-US" smtClean="0"/>
+              <a:rPr lang="en-US"/>
               <a:t>Click to edit Master text styles</a:t>
             </a:r>
           </a:p>
           <a:p>
             <a:pPr lvl="1"/>
             <a:r>
-              <a:rPr lang="en-US" smtClean="0"/>
+              <a:rPr lang="en-US"/>
               <a:t>Second level</a:t>
             </a:r>
           </a:p>
           <a:p>
             <a:pPr lvl="2"/>
             <a:r>
-              <a:rPr lang="en-US" smtClean="0"/>
+              <a:rPr lang="en-US"/>
               <a:t>Third level</a:t>
             </a:r>
           </a:p>
           <a:p>
             <a:pPr lvl="3"/>
             <a:r>
-              <a:rPr lang="en-US" smtClean="0"/>
+              <a:rPr lang="en-US"/>
               <a:t>Fourth level</a:t>
             </a:r>
           </a:p>
           <a:p>
             <a:pPr lvl="4"/>
             <a:r>
-              <a:rPr lang="en-US" smtClean="0"/>
+              <a:rPr lang="en-US"/>
               <a:t>Fifth level</a:t>
             </a:r>
-            <a:endParaRPr lang="en-US"/>
           </a:p>
         </p:txBody>
       </p:sp>
@@ -2461,7 +2704,7 @@
           <a:p>
             <a:pPr lvl="0"/>
             <a:r>
-              <a:rPr lang="en-US" smtClean="0"/>
+              <a:rPr lang="en-US"/>
               <a:t>Click to edit Master text styles</a:t>
             </a:r>
           </a:p>
@@ -2517,38 +2760,37 @@
           <a:p>
             <a:pPr lvl="0"/>
             <a:r>
-              <a:rPr lang="en-US" smtClean="0"/>
+              <a:rPr lang="en-US"/>
               <a:t>Click to edit Master text styles</a:t>
             </a:r>
           </a:p>
           <a:p>
             <a:pPr lvl="1"/>
             <a:r>
-              <a:rPr lang="en-US" smtClean="0"/>
+              <a:rPr lang="en-US"/>
               <a:t>Second level</a:t>
             </a:r>
           </a:p>
           <a:p>
             <a:pPr lvl="2"/>
             <a:r>
-              <a:rPr lang="en-US" smtClean="0"/>
+              <a:rPr lang="en-US"/>
               <a:t>Third level</a:t>
             </a:r>
           </a:p>
           <a:p>
             <a:pPr lvl="3"/>
             <a:r>
-              <a:rPr lang="en-US" smtClean="0"/>
+              <a:rPr lang="en-US"/>
               <a:t>Fourth level</a:t>
             </a:r>
           </a:p>
           <a:p>
             <a:pPr lvl="4"/>
             <a:r>
-              <a:rPr lang="en-US" smtClean="0"/>
+              <a:rPr lang="en-US"/>
               <a:t>Fifth level</a:t>
             </a:r>
-            <a:endParaRPr lang="en-US"/>
           </a:p>
         </p:txBody>
       </p:sp>
@@ -2570,7 +2812,7 @@
             <a:fld id="{9099FEDA-6AC3-495C-A467-2B0399D71BB7}" type="datetimeFigureOut">
               <a:rPr lang="en-US" smtClean="0"/>
               <a:pPr/>
-              <a:t>2/14/2023</a:t>
+              <a:t>1/31/2025</a:t>
             </a:fld>
             <a:endParaRPr lang="en-US"/>
           </a:p>
@@ -2660,10 +2902,9 @@
           <a:lstStyle/>
           <a:p>
             <a:r>
-              <a:rPr lang="en-US" smtClean="0"/>
+              <a:rPr lang="en-US"/>
               <a:t>Click to edit Master title style</a:t>
             </a:r>
-            <a:endParaRPr lang="en-US"/>
           </a:p>
         </p:txBody>
       </p:sp>
@@ -2685,7 +2926,7 @@
             <a:fld id="{9099FEDA-6AC3-495C-A467-2B0399D71BB7}" type="datetimeFigureOut">
               <a:rPr lang="en-US" smtClean="0"/>
               <a:pPr/>
-              <a:t>2/14/2023</a:t>
+              <a:t>1/31/2025</a:t>
             </a:fld>
             <a:endParaRPr lang="en-US"/>
           </a:p>
@@ -2777,7 +3018,7 @@
             <a:fld id="{9099FEDA-6AC3-495C-A467-2B0399D71BB7}" type="datetimeFigureOut">
               <a:rPr lang="en-US" smtClean="0"/>
               <a:pPr/>
-              <a:t>2/14/2023</a:t>
+              <a:t>1/31/2025</a:t>
             </a:fld>
             <a:endParaRPr lang="en-US"/>
           </a:p>
@@ -2876,10 +3117,9 @@
           </a:lstStyle>
           <a:p>
             <a:r>
-              <a:rPr lang="en-US" smtClean="0"/>
+              <a:rPr lang="en-US"/>
               <a:t>Click to edit Master title style</a:t>
             </a:r>
-            <a:endParaRPr lang="en-US"/>
           </a:p>
         </p:txBody>
       </p:sp>
@@ -2933,38 +3173,37 @@
           <a:p>
             <a:pPr lvl="0"/>
             <a:r>
-              <a:rPr lang="en-US" smtClean="0"/>
+              <a:rPr lang="en-US"/>
               <a:t>Click to edit Master text styles</a:t>
             </a:r>
           </a:p>
           <a:p>
             <a:pPr lvl="1"/>
             <a:r>
-              <a:rPr lang="en-US" smtClean="0"/>
+              <a:rPr lang="en-US"/>
               <a:t>Second level</a:t>
             </a:r>
           </a:p>
           <a:p>
             <a:pPr lvl="2"/>
             <a:r>
-              <a:rPr lang="en-US" smtClean="0"/>
+              <a:rPr lang="en-US"/>
               <a:t>Third level</a:t>
             </a:r>
           </a:p>
           <a:p>
             <a:pPr lvl="3"/>
             <a:r>
-              <a:rPr lang="en-US" smtClean="0"/>
+              <a:rPr lang="en-US"/>
               <a:t>Fourth level</a:t>
             </a:r>
           </a:p>
           <a:p>
             <a:pPr lvl="4"/>
             <a:r>
-              <a:rPr lang="en-US" smtClean="0"/>
+              <a:rPr lang="en-US"/>
               <a:t>Fifth level</a:t>
             </a:r>
-            <a:endParaRPr lang="en-US"/>
           </a:p>
         </p:txBody>
       </p:sp>
@@ -3027,7 +3266,7 @@
           <a:p>
             <a:pPr lvl="0"/>
             <a:r>
-              <a:rPr lang="en-US" smtClean="0"/>
+              <a:rPr lang="en-US"/>
               <a:t>Click to edit Master text styles</a:t>
             </a:r>
           </a:p>
@@ -3051,7 +3290,7 @@
             <a:fld id="{9099FEDA-6AC3-495C-A467-2B0399D71BB7}" type="datetimeFigureOut">
               <a:rPr lang="en-US" smtClean="0"/>
               <a:pPr/>
-              <a:t>2/14/2023</a:t>
+              <a:t>1/31/2025</a:t>
             </a:fld>
             <a:endParaRPr lang="en-US"/>
           </a:p>
@@ -3150,10 +3389,9 @@
           </a:lstStyle>
           <a:p>
             <a:r>
-              <a:rPr lang="en-US" smtClean="0"/>
+              <a:rPr lang="en-US"/>
               <a:t>Click to edit Master title style</a:t>
             </a:r>
-            <a:endParaRPr lang="en-US"/>
           </a:p>
         </p:txBody>
       </p:sp>
@@ -3277,7 +3515,7 @@
           <a:p>
             <a:pPr lvl="0"/>
             <a:r>
-              <a:rPr lang="en-US" smtClean="0"/>
+              <a:rPr lang="en-US"/>
               <a:t>Click to edit Master text styles</a:t>
             </a:r>
           </a:p>
@@ -3301,7 +3539,7 @@
             <a:fld id="{9099FEDA-6AC3-495C-A467-2B0399D71BB7}" type="datetimeFigureOut">
               <a:rPr lang="en-US" smtClean="0"/>
               <a:pPr/>
-              <a:t>2/14/2023</a:t>
+              <a:t>1/31/2025</a:t>
             </a:fld>
             <a:endParaRPr lang="en-US"/>
           </a:p>
@@ -3406,10 +3644,9 @@
           <a:lstStyle/>
           <a:p>
             <a:r>
-              <a:rPr lang="en-US" smtClean="0"/>
+              <a:rPr lang="en-US"/>
               <a:t>Click to edit Master title style</a:t>
             </a:r>
-            <a:endParaRPr lang="en-US"/>
           </a:p>
         </p:txBody>
       </p:sp>
@@ -3440,38 +3677,37 @@
           <a:p>
             <a:pPr lvl="0"/>
             <a:r>
-              <a:rPr lang="en-US" smtClean="0"/>
+              <a:rPr lang="en-US"/>
               <a:t>Click to edit Master text styles</a:t>
             </a:r>
           </a:p>
           <a:p>
             <a:pPr lvl="1"/>
             <a:r>
-              <a:rPr lang="en-US" smtClean="0"/>
+              <a:rPr lang="en-US"/>
               <a:t>Second level</a:t>
             </a:r>
           </a:p>
           <a:p>
             <a:pPr lvl="2"/>
             <a:r>
-              <a:rPr lang="en-US" smtClean="0"/>
+              <a:rPr lang="en-US"/>
               <a:t>Third level</a:t>
             </a:r>
           </a:p>
           <a:p>
             <a:pPr lvl="3"/>
             <a:r>
-              <a:rPr lang="en-US" smtClean="0"/>
+              <a:rPr lang="en-US"/>
               <a:t>Fourth level</a:t>
             </a:r>
           </a:p>
           <a:p>
             <a:pPr lvl="4"/>
             <a:r>
-              <a:rPr lang="en-US" smtClean="0"/>
+              <a:rPr lang="en-US"/>
               <a:t>Fifth level</a:t>
             </a:r>
-            <a:endParaRPr lang="en-US"/>
           </a:p>
         </p:txBody>
       </p:sp>
@@ -3511,7 +3747,7 @@
             <a:fld id="{9099FEDA-6AC3-495C-A467-2B0399D71BB7}" type="datetimeFigureOut">
               <a:rPr lang="en-US" smtClean="0"/>
               <a:pPr/>
-              <a:t>2/14/2023</a:t>
+              <a:t>1/31/2025</a:t>
             </a:fld>
             <a:endParaRPr lang="en-US"/>
           </a:p>
@@ -3898,10 +4134,9 @@
           <a:lstStyle/>
           <a:p>
             <a:r>
-              <a:rPr lang="en-US" dirty="0" smtClean="0"/>
+              <a:rPr lang="en-US" dirty="0"/>
               <a:t>K Means Clustering</a:t>
             </a:r>
-            <a:endParaRPr lang="en-US" dirty="0"/>
           </a:p>
         </p:txBody>
       </p:sp>
@@ -3928,28 +4163,20 @@
           <a:lstStyle/>
           <a:p>
             <a:r>
-              <a:rPr lang="en-US" dirty="0" smtClean="0"/>
-              <a:t>Pritam Prakash Shete</a:t>
-            </a:r>
-          </a:p>
-          <a:p>
-            <a:r>
-              <a:rPr lang="en-US" dirty="0" smtClean="0"/>
-              <a:t>Computer Division, BARC </a:t>
-            </a:r>
-          </a:p>
-          <a:p>
-            <a:r>
-              <a:rPr lang="en-IN" dirty="0" smtClean="0"/>
-              <a:t>Centre for Excellence in </a:t>
-            </a:r>
-            <a:r>
-              <a:rPr lang="en-IN" smtClean="0"/>
-              <a:t>Basic </a:t>
-            </a:r>
-            <a:r>
-              <a:rPr lang="en-IN" smtClean="0"/>
-              <a:t>Sciences</a:t>
+              <a:rPr lang="en-US" dirty="0"/>
+              <a:t>Mr. Pritam Prakash Shete</a:t>
+            </a:r>
+          </a:p>
+          <a:p>
+            <a:r>
+              <a:rPr lang="en-US" dirty="0"/>
+              <a:t>Computer Division, BARC</a:t>
+            </a:r>
+          </a:p>
+          <a:p>
+            <a:r>
+              <a:rPr lang="en-IN" dirty="0"/>
+              <a:t>Centre for Excellence in Basic Sciences</a:t>
             </a:r>
             <a:endParaRPr lang="en-US" dirty="0"/>
           </a:p>
@@ -3960,13 +4187,6 @@
   <p:clrMapOvr>
     <a:masterClrMapping/>
   </p:clrMapOvr>
-  <p:timing>
-    <p:tnLst>
-      <p:par>
-        <p:cTn id="1" dur="indefinite" restart="never" nodeType="tmRoot"/>
-      </p:par>
-    </p:tnLst>
-  </p:timing>
 </p:sld>
 </file>
 
@@ -3975,7 +4195,13 @@
   <p:cSld>
     <p:spTree>
       <p:nvGrpSpPr>
-        <p:cNvPr id="1" name=""/>
+        <p:cNvPr id="1" name="">
+          <a:extLst>
+            <a:ext uri="{FF2B5EF4-FFF2-40B4-BE49-F238E27FC236}">
+              <a16:creationId xmlns:a16="http://schemas.microsoft.com/office/drawing/2014/main" id="{B5AD403B-AD13-2C1F-6170-ED93C690AB3B}"/>
+            </a:ext>
+          </a:extLst>
+        </p:cNvPr>
         <p:cNvGrpSpPr/>
         <p:nvPr/>
       </p:nvGrpSpPr>
@@ -3989,7 +4215,13 @@
       </p:grpSpPr>
       <p:sp>
         <p:nvSpPr>
-          <p:cNvPr id="2" name="Title 1"/>
+          <p:cNvPr id="2" name="Title 1">
+            <a:extLst>
+              <a:ext uri="{FF2B5EF4-FFF2-40B4-BE49-F238E27FC236}">
+                <a16:creationId xmlns:a16="http://schemas.microsoft.com/office/drawing/2014/main" id="{ADEC3B71-A2EB-2D33-EA75-A8B1F4BB138E}"/>
+              </a:ext>
+            </a:extLst>
+          </p:cNvPr>
           <p:cNvSpPr>
             <a:spLocks noGrp="1"/>
           </p:cNvSpPr>
@@ -3999,92 +4231,195 @@
         </p:nvSpPr>
         <p:spPr/>
         <p:txBody>
-          <a:bodyPr/>
-          <a:lstStyle/>
-          <a:p>
-            <a:r>
-              <a:rPr lang="en-US" dirty="0" smtClean="0"/>
-              <a:t>Optimization Objective</a:t>
-            </a:r>
+          <a:bodyPr>
+            <a:normAutofit/>
+          </a:bodyPr>
+          <a:lstStyle/>
+          <a:p>
+            <a:r>
+              <a:rPr lang="en-US" dirty="0"/>
+              <a:t>Astronomical Data Analysis</a:t>
+            </a:r>
+          </a:p>
+        </p:txBody>
+      </p:sp>
+      <p:sp>
+        <p:nvSpPr>
+          <p:cNvPr id="3" name="Content Placeholder 2">
+            <a:extLst>
+              <a:ext uri="{FF2B5EF4-FFF2-40B4-BE49-F238E27FC236}">
+                <a16:creationId xmlns:a16="http://schemas.microsoft.com/office/drawing/2014/main" id="{55E5AE52-0D84-2494-5E57-E10358E7576B}"/>
+              </a:ext>
+            </a:extLst>
+          </p:cNvPr>
+          <p:cNvSpPr>
+            <a:spLocks noGrp="1"/>
+          </p:cNvSpPr>
+          <p:nvPr>
+            <p:ph idx="1"/>
+          </p:nvPr>
+        </p:nvSpPr>
+        <p:spPr/>
+        <p:txBody>
+          <a:bodyPr/>
+          <a:lstStyle/>
+          <a:p>
+            <a:r>
+              <a:rPr lang="en-US" dirty="0"/>
+              <a:t>Identify</a:t>
+            </a:r>
+          </a:p>
+          <a:p>
+            <a:pPr lvl="1"/>
+            <a:r>
+              <a:rPr lang="en-US" dirty="0"/>
+              <a:t>Star clusters </a:t>
+            </a:r>
+          </a:p>
+          <a:p>
+            <a:pPr lvl="1"/>
+            <a:r>
+              <a:rPr lang="en-US" dirty="0"/>
+              <a:t>Cosmic structures</a:t>
+            </a:r>
+          </a:p>
+          <a:p>
+            <a:r>
+              <a:rPr lang="en-US" dirty="0"/>
+              <a:t>Anomaly detection </a:t>
+            </a:r>
+          </a:p>
+          <a:p>
+            <a:pPr lvl="1"/>
+            <a:r>
+              <a:rPr lang="en-US" dirty="0"/>
+              <a:t>Brightness</a:t>
+            </a:r>
+          </a:p>
+          <a:p>
+            <a:pPr lvl="1"/>
+            <a:r>
+              <a:rPr lang="en-US" dirty="0"/>
+              <a:t>Spectral characteristics</a:t>
+            </a:r>
+          </a:p>
+          <a:p>
             <a:endParaRPr lang="en-US" dirty="0"/>
           </a:p>
-        </p:txBody>
-      </p:sp>
-      <p:sp>
-        <p:nvSpPr>
-          <p:cNvPr id="3" name="Content Placeholder 2"/>
-          <p:cNvSpPr>
-            <a:spLocks noGrp="1"/>
-          </p:cNvSpPr>
-          <p:nvPr>
-            <p:ph idx="1"/>
-          </p:nvPr>
-        </p:nvSpPr>
-        <p:spPr/>
-        <p:txBody>
-          <a:bodyPr/>
-          <a:lstStyle/>
-          <a:p>
-            <a:r>
-              <a:rPr lang="en-IN" dirty="0" smtClean="0"/>
-              <a:t>WCSS – Within Cluster Sum of Squares</a:t>
-            </a:r>
-          </a:p>
-          <a:p>
-            <a:r>
-              <a:rPr lang="en-US" dirty="0" smtClean="0"/>
-              <a:t>Variations within a cluster</a:t>
-            </a:r>
-          </a:p>
-          <a:p>
-            <a:endParaRPr lang="en-US" dirty="0" smtClean="0"/>
-          </a:p>
-          <a:p>
-            <a:endParaRPr lang="en-US" dirty="0" smtClean="0"/>
-          </a:p>
-          <a:p>
-            <a:r>
-              <a:rPr lang="en-US" dirty="0" smtClean="0"/>
-              <a:t>Objective – Minimize WCSS</a:t>
-            </a:r>
-          </a:p>
-          <a:p>
-            <a:endParaRPr lang="en-US" dirty="0" smtClean="0"/>
-          </a:p>
-        </p:txBody>
-      </p:sp>
-      <p:graphicFrame>
-        <p:nvGraphicFramePr>
-          <p:cNvPr id="4" name="Object 3"/>
-          <p:cNvGraphicFramePr>
-            <a:graphicFrameLocks noChangeAspect="1"/>
-          </p:cNvGraphicFramePr>
+          <a:p>
+            <a:endParaRPr lang="en-US" dirty="0"/>
+          </a:p>
+        </p:txBody>
+      </p:sp>
+      <p:sp>
+        <p:nvSpPr>
+          <p:cNvPr id="5" name="Text Box 10">
+            <a:extLst>
+              <a:ext uri="{FF2B5EF4-FFF2-40B4-BE49-F238E27FC236}">
+                <a16:creationId xmlns:a16="http://schemas.microsoft.com/office/drawing/2014/main" id="{82326FB2-C829-DD0E-A243-40ACEF843D7B}"/>
+              </a:ext>
+            </a:extLst>
+          </p:cNvPr>
+          <p:cNvSpPr txBox="1">
+            <a:spLocks noChangeArrowheads="1"/>
+          </p:cNvSpPr>
           <p:nvPr/>
-        </p:nvGraphicFramePr>
-        <p:xfrm>
-          <a:off x="838200" y="2895601"/>
-          <a:ext cx="5066436" cy="990599"/>
-        </p:xfrm>
-        <a:graphic>
-          <a:graphicData uri="http://schemas.openxmlformats.org/presentationml/2006/ole">
-            <p:oleObj spid="_x0000_s1026" name="Equation" r:id="rId3" imgW="2273040" imgH="444240" progId="Equation.3">
-              <p:embed/>
-            </p:oleObj>
-          </a:graphicData>
-        </a:graphic>
-      </p:graphicFrame>
+        </p:nvSpPr>
+        <p:spPr bwMode="auto">
+          <a:xfrm rot="10800000" flipV="1">
+            <a:off x="0" y="6519446"/>
+            <a:ext cx="1828800" cy="338554"/>
+          </a:xfrm>
+          <a:prstGeom prst="rect">
+            <a:avLst/>
+          </a:prstGeom>
+          <a:noFill/>
+          <a:ln w="9525">
+            <a:noFill/>
+            <a:miter lim="800000"/>
+            <a:headEnd/>
+            <a:tailEnd/>
+          </a:ln>
+          <a:effectLst/>
+        </p:spPr>
+        <p:txBody>
+          <a:bodyPr wrap="square">
+            <a:spAutoFit/>
+          </a:bodyPr>
+          <a:lstStyle/>
+          <a:p>
+            <a:pPr>
+              <a:spcBef>
+                <a:spcPct val="50000"/>
+              </a:spcBef>
+            </a:pPr>
+            <a:r>
+              <a:rPr lang="en-US" sz="1600" b="1" dirty="0">
+                <a:solidFill>
+                  <a:srgbClr val="FF0000"/>
+                </a:solidFill>
+              </a:rPr>
+              <a:t>Image </a:t>
+            </a:r>
+            <a:r>
+              <a:rPr lang="en-US" sz="1600" b="1" dirty="0" err="1">
+                <a:solidFill>
+                  <a:srgbClr val="FF0000"/>
+                </a:solidFill>
+              </a:rPr>
+              <a:t>ack</a:t>
+            </a:r>
+            <a:r>
+              <a:rPr lang="en-US" sz="1600" b="1" dirty="0">
+                <a:solidFill>
+                  <a:srgbClr val="FF0000"/>
+                </a:solidFill>
+              </a:rPr>
+              <a:t> – Google</a:t>
+            </a:r>
+          </a:p>
+        </p:txBody>
+      </p:sp>
+      <p:pic>
+        <p:nvPicPr>
+          <p:cNvPr id="6" name="Picture 5" descr="AstronomicalDataAnalysis.jpg">
+            <a:extLst>
+              <a:ext uri="{FF2B5EF4-FFF2-40B4-BE49-F238E27FC236}">
+                <a16:creationId xmlns:a16="http://schemas.microsoft.com/office/drawing/2014/main" id="{A3A97DE3-2B5D-6410-C5F4-33C6ECF85D8D}"/>
+              </a:ext>
+            </a:extLst>
+          </p:cNvPr>
+          <p:cNvPicPr>
+            <a:picLocks noChangeAspect="1"/>
+          </p:cNvPicPr>
+          <p:nvPr/>
+        </p:nvPicPr>
+        <p:blipFill>
+          <a:blip r:embed="rId3" cstate="print"/>
+          <a:stretch>
+            <a:fillRect/>
+          </a:stretch>
+        </p:blipFill>
+        <p:spPr>
+          <a:xfrm>
+            <a:off x="5562600" y="4146650"/>
+            <a:ext cx="3271081" cy="2482750"/>
+          </a:xfrm>
+          <a:prstGeom prst="rect">
+            <a:avLst/>
+          </a:prstGeom>
+        </p:spPr>
+      </p:pic>
     </p:spTree>
+    <p:extLst>
+      <p:ext uri="{BB962C8B-B14F-4D97-AF65-F5344CB8AC3E}">
+        <p14:creationId xmlns:p14="http://schemas.microsoft.com/office/powerpoint/2010/main" val="1598544934"/>
+      </p:ext>
+    </p:extLst>
   </p:cSld>
   <p:clrMapOvr>
     <a:masterClrMapping/>
   </p:clrMapOvr>
-  <p:timing>
-    <p:tnLst>
-      <p:par>
-        <p:cTn id="1" dur="indefinite" restart="never" nodeType="tmRoot"/>
-      </p:par>
-    </p:tnLst>
-  </p:timing>
 </p:sld>
 </file>
 
@@ -4121,8 +4456,12 @@
           <a:lstStyle/>
           <a:p>
             <a:r>
-              <a:rPr lang="en-US" dirty="0" smtClean="0"/>
-              <a:t>K Means Clustering Algorithm</a:t>
+              <a:rPr lang="en-US" dirty="0"/>
+              <a:t>K </a:t>
+            </a:r>
+            <a:r>
+              <a:rPr lang="en-US"/>
+              <a:t>Means Clustering</a:t>
             </a:r>
             <a:endParaRPr lang="en-US" dirty="0"/>
           </a:p>
@@ -4141,92 +4480,49 @@
         <p:spPr/>
         <p:txBody>
           <a:bodyPr>
-            <a:normAutofit fontScale="92500" lnSpcReduction="20000"/>
+            <a:normAutofit fontScale="92500" lnSpcReduction="10000"/>
           </a:bodyPr>
           <a:lstStyle/>
           <a:p>
-            <a:pPr marL="514350" indent="-514350">
-              <a:buFont typeface="+mj-lt"/>
-              <a:buAutoNum type="arabicPeriod"/>
-            </a:pPr>
-            <a:r>
-              <a:rPr lang="en-IN" dirty="0" smtClean="0"/>
-              <a:t>Select number of clusters – K </a:t>
-            </a:r>
-          </a:p>
-          <a:p>
-            <a:pPr marL="514350" indent="-514350">
-              <a:buFont typeface="+mj-lt"/>
-              <a:buAutoNum type="arabicPeriod"/>
-            </a:pPr>
-            <a:r>
-              <a:rPr lang="en-IN" dirty="0" smtClean="0"/>
-              <a:t>Select random K points as centroids</a:t>
-            </a:r>
-          </a:p>
-          <a:p>
-            <a:pPr marL="514350" indent="-514350">
-              <a:buFont typeface="+mj-lt"/>
-              <a:buAutoNum type="arabicPeriod"/>
-            </a:pPr>
-            <a:r>
-              <a:rPr lang="en-IN" dirty="0" smtClean="0"/>
-              <a:t>Cluster assignment</a:t>
-            </a:r>
-          </a:p>
-          <a:p>
-            <a:pPr marL="971550" lvl="1" indent="-514350"/>
-            <a:r>
-              <a:rPr lang="en-IN" dirty="0" smtClean="0"/>
-              <a:t>Assign each data point to closest centroid</a:t>
-            </a:r>
-          </a:p>
-          <a:p>
-            <a:pPr marL="514350" indent="-514350">
-              <a:buFont typeface="+mj-lt"/>
-              <a:buAutoNum type="arabicPeriod"/>
-            </a:pPr>
-            <a:r>
-              <a:rPr lang="en-IN" dirty="0" smtClean="0"/>
-              <a:t>Centroid movement</a:t>
-            </a:r>
-          </a:p>
-          <a:p>
-            <a:pPr marL="971550" lvl="1" indent="-514350"/>
-            <a:r>
-              <a:rPr lang="en-IN" dirty="0" smtClean="0"/>
-              <a:t>Compute centroids for new clusters </a:t>
-            </a:r>
-          </a:p>
-          <a:p>
-            <a:pPr marL="514350" indent="-514350">
-              <a:buFont typeface="+mj-lt"/>
-              <a:buAutoNum type="arabicPeriod"/>
-            </a:pPr>
-            <a:r>
-              <a:rPr lang="en-IN" dirty="0" smtClean="0"/>
-              <a:t>Repeat Steps 3 to 5 until </a:t>
-            </a:r>
-          </a:p>
-          <a:p>
-            <a:pPr marL="914400" lvl="1" indent="-514350"/>
-            <a:r>
-              <a:rPr lang="en-US" dirty="0" smtClean="0"/>
-              <a:t>Maximum number of iterations</a:t>
-            </a:r>
-          </a:p>
-          <a:p>
-            <a:pPr marL="914400" lvl="1" indent="-514350"/>
-            <a:r>
-              <a:rPr lang="en-US" dirty="0" smtClean="0"/>
-              <a:t>Minimum variation in cluster centers</a:t>
-            </a:r>
-          </a:p>
-          <a:p>
-            <a:pPr marL="914400" lvl="1" indent="-514350"/>
-            <a:r>
-              <a:rPr lang="en-US" dirty="0" smtClean="0"/>
-              <a:t>No change in cluster centers</a:t>
+            <a:r>
+              <a:rPr lang="en-IN" dirty="0"/>
+              <a:t>Unsupervised learning – Unlabeled dataset</a:t>
+            </a:r>
+          </a:p>
+          <a:p>
+            <a:r>
+              <a:rPr lang="en-IN" dirty="0"/>
+              <a:t>Centroid based algorithm</a:t>
+            </a:r>
+          </a:p>
+          <a:p>
+            <a:r>
+              <a:rPr lang="en-IN" dirty="0"/>
+              <a:t>Iterative algorithm</a:t>
+            </a:r>
+          </a:p>
+          <a:p>
+            <a:r>
+              <a:rPr lang="en-IN" dirty="0"/>
+              <a:t>K – Number of pre-defined clusters</a:t>
+            </a:r>
+          </a:p>
+          <a:p>
+            <a:r>
+              <a:rPr lang="en-IN" dirty="0"/>
+              <a:t>Divide dataset into K different clusters</a:t>
+            </a:r>
+          </a:p>
+          <a:p>
+            <a:r>
+              <a:rPr lang="en-IN" dirty="0"/>
+              <a:t>Decrease distance between samples from same cluster</a:t>
+            </a:r>
+          </a:p>
+          <a:p>
+            <a:r>
+              <a:rPr lang="en-IN" dirty="0"/>
+              <a:t>Increase distance between samples from different clusters</a:t>
             </a:r>
             <a:endParaRPr lang="en-US" dirty="0"/>
           </a:p>
@@ -4237,13 +4533,6 @@
   <p:clrMapOvr>
     <a:masterClrMapping/>
   </p:clrMapOvr>
-  <p:timing>
-    <p:tnLst>
-      <p:par>
-        <p:cTn id="1" dur="indefinite" restart="never" nodeType="tmRoot"/>
-      </p:par>
-    </p:tnLst>
-  </p:timing>
 </p:sld>
 </file>
 
@@ -4280,109 +4569,130 @@
           <a:lstStyle/>
           <a:p>
             <a:r>
-              <a:rPr lang="en-US" dirty="0" smtClean="0"/>
-              <a:t>Random Initialization</a:t>
-            </a:r>
+              <a:rPr lang="en-US" dirty="0"/>
+              <a:t>Optimization Objective</a:t>
+            </a:r>
+          </a:p>
+        </p:txBody>
+      </p:sp>
+      <p:sp>
+        <p:nvSpPr>
+          <p:cNvPr id="3" name="Content Placeholder 2"/>
+          <p:cNvSpPr>
+            <a:spLocks noGrp="1"/>
+          </p:cNvSpPr>
+          <p:nvPr>
+            <p:ph idx="1"/>
+          </p:nvPr>
+        </p:nvSpPr>
+        <p:spPr/>
+        <p:txBody>
+          <a:bodyPr/>
+          <a:lstStyle/>
+          <a:p>
+            <a:r>
+              <a:rPr lang="en-IN" dirty="0"/>
+              <a:t>WCSS – Within Cluster Sum of Squares</a:t>
+            </a:r>
+          </a:p>
+          <a:p>
+            <a:r>
+              <a:rPr lang="en-US" dirty="0"/>
+              <a:t>Variations within a cluster</a:t>
+            </a:r>
+          </a:p>
+          <a:p>
             <a:endParaRPr lang="en-US" dirty="0"/>
           </a:p>
-        </p:txBody>
-      </p:sp>
-      <p:sp>
-        <p:nvSpPr>
-          <p:cNvPr id="3" name="Content Placeholder 2"/>
-          <p:cNvSpPr>
-            <a:spLocks noGrp="1"/>
-          </p:cNvSpPr>
-          <p:nvPr>
-            <p:ph idx="1"/>
-          </p:nvPr>
-        </p:nvSpPr>
-        <p:spPr/>
-        <p:txBody>
-          <a:bodyPr>
-            <a:normAutofit/>
-          </a:bodyPr>
-          <a:lstStyle/>
-          <a:p>
-            <a:pPr marL="514350" indent="-514350">
-              <a:buFont typeface="+mj-lt"/>
-              <a:buAutoNum type="arabicPeriod"/>
-            </a:pPr>
-            <a:r>
-              <a:rPr lang="en-IN" dirty="0" smtClean="0"/>
-              <a:t>Select maximum number of iterations</a:t>
-            </a:r>
-          </a:p>
-          <a:p>
-            <a:pPr marL="514350" indent="-514350">
-              <a:buFont typeface="+mj-lt"/>
-              <a:buAutoNum type="arabicPeriod"/>
-            </a:pPr>
-            <a:r>
-              <a:rPr lang="en-US" dirty="0" smtClean="0"/>
-              <a:t>For each iteration</a:t>
-            </a:r>
-          </a:p>
-          <a:p>
-            <a:pPr marL="914400" lvl="1" indent="-514350"/>
-            <a:r>
-              <a:rPr lang="en-IN" dirty="0" smtClean="0"/>
-              <a:t>Select random K points as centroids</a:t>
-            </a:r>
-            <a:endParaRPr lang="en-US" dirty="0" smtClean="0"/>
-          </a:p>
-          <a:p>
-            <a:pPr marL="914400" lvl="1" indent="-514350"/>
-            <a:r>
-              <a:rPr lang="en-US" dirty="0" smtClean="0"/>
-              <a:t>Compute K clusters </a:t>
-            </a:r>
-          </a:p>
-          <a:p>
-            <a:pPr marL="914400" lvl="1" indent="-514350"/>
-            <a:r>
-              <a:rPr lang="en-US" dirty="0" smtClean="0"/>
-              <a:t>Compute WCSS value</a:t>
-            </a:r>
-          </a:p>
-          <a:p>
-            <a:pPr marL="914400" lvl="1" indent="-514350"/>
-            <a:r>
-              <a:rPr lang="en-US" dirty="0" smtClean="0"/>
-              <a:t>Keep cluster centroids with minimum WCSS</a:t>
-            </a:r>
-          </a:p>
-          <a:p>
-            <a:pPr marL="514350" indent="-514350">
-              <a:buFont typeface="+mj-lt"/>
-              <a:buAutoNum type="arabicPeriod"/>
-            </a:pPr>
-            <a:r>
-              <a:rPr lang="en-US" dirty="0" smtClean="0"/>
-              <a:t>Use cluster centroids with minimum WCSS</a:t>
-            </a:r>
-          </a:p>
-          <a:p>
-            <a:pPr marL="514350" indent="-514350">
-              <a:buFont typeface="+mj-lt"/>
-              <a:buAutoNum type="arabicPeriod"/>
-            </a:pPr>
-            <a:endParaRPr lang="en-IN" dirty="0" smtClean="0"/>
-          </a:p>
-        </p:txBody>
-      </p:sp>
+          <a:p>
+            <a:endParaRPr lang="en-US" dirty="0"/>
+          </a:p>
+          <a:p>
+            <a:r>
+              <a:rPr lang="en-US" dirty="0"/>
+              <a:t>Objective – Minimize WCSS</a:t>
+            </a:r>
+          </a:p>
+          <a:p>
+            <a:endParaRPr lang="en-US" dirty="0"/>
+          </a:p>
+        </p:txBody>
+      </p:sp>
+      <p:graphicFrame>
+        <p:nvGraphicFramePr>
+          <p:cNvPr id="4" name="Object 3"/>
+          <p:cNvGraphicFramePr>
+            <a:graphicFrameLocks noChangeAspect="1"/>
+          </p:cNvGraphicFramePr>
+          <p:nvPr/>
+        </p:nvGraphicFramePr>
+        <p:xfrm>
+          <a:off x="838200" y="2895601"/>
+          <a:ext cx="5066436" cy="990599"/>
+        </p:xfrm>
+        <a:graphic>
+          <a:graphicData uri="http://schemas.openxmlformats.org/presentationml/2006/ole">
+            <mc:AlternateContent xmlns:mc="http://schemas.openxmlformats.org/markup-compatibility/2006">
+              <mc:Choice xmlns:v="urn:schemas-microsoft-com:vml" Requires="v">
+                <p:oleObj spid="_x0000_s1026" name="Equation" r:id="rId2" imgW="2273040" imgH="444240" progId="Equation.3">
+                  <p:embed/>
+                </p:oleObj>
+              </mc:Choice>
+              <mc:Fallback>
+                <p:oleObj name="Equation" r:id="rId2" imgW="2273040" imgH="444240" progId="Equation.3">
+                  <p:embed/>
+                  <p:pic>
+                    <p:nvPicPr>
+                      <p:cNvPr id="0" name="Picture 2"/>
+                      <p:cNvPicPr>
+                        <a:picLocks noChangeAspect="1" noChangeArrowheads="1"/>
+                      </p:cNvPicPr>
+                      <p:nvPr/>
+                    </p:nvPicPr>
+                    <p:blipFill>
+                      <a:blip r:embed="rId3">
+                        <a:extLst>
+                          <a:ext uri="{28A0092B-C50C-407E-A947-70E740481C1C}">
+                            <a14:useLocalDpi xmlns:a14="http://schemas.microsoft.com/office/drawing/2010/main" val="0"/>
+                          </a:ext>
+                        </a:extLst>
+                      </a:blip>
+                      <a:srcRect/>
+                      <a:stretch>
+                        <a:fillRect/>
+                      </a:stretch>
+                    </p:blipFill>
+                    <p:spPr bwMode="auto">
+                      <a:xfrm>
+                        <a:off x="838200" y="2895601"/>
+                        <a:ext cx="5066436" cy="990599"/>
+                      </a:xfrm>
+                      <a:prstGeom prst="rect">
+                        <a:avLst/>
+                      </a:prstGeom>
+                      <a:noFill/>
+                      <a:extLst>
+                        <a:ext uri="{909E8E84-426E-40DD-AFC4-6F175D3DCCD1}">
+                          <a14:hiddenFill xmlns:a14="http://schemas.microsoft.com/office/drawing/2010/main">
+                            <a:solidFill>
+                              <a:srgbClr val="FFFFFF"/>
+                            </a:solidFill>
+                          </a14:hiddenFill>
+                        </a:ext>
+                      </a:extLst>
+                    </p:spPr>
+                  </p:pic>
+                </p:oleObj>
+              </mc:Fallback>
+            </mc:AlternateContent>
+          </a:graphicData>
+        </a:graphic>
+      </p:graphicFrame>
     </p:spTree>
   </p:cSld>
   <p:clrMapOvr>
     <a:masterClrMapping/>
   </p:clrMapOvr>
-  <p:timing>
-    <p:tnLst>
-      <p:par>
-        <p:cTn id="1" dur="indefinite" restart="never" nodeType="tmRoot"/>
-      </p:par>
-    </p:tnLst>
-  </p:timing>
 </p:sld>
 </file>
 
@@ -4415,32 +4725,31 @@
         </p:nvSpPr>
         <p:spPr/>
         <p:txBody>
+          <a:bodyPr/>
+          <a:lstStyle/>
+          <a:p>
+            <a:r>
+              <a:rPr lang="en-US" dirty="0"/>
+              <a:t>K Means Clustering Algorithm</a:t>
+            </a:r>
+          </a:p>
+        </p:txBody>
+      </p:sp>
+      <p:sp>
+        <p:nvSpPr>
+          <p:cNvPr id="3" name="Content Placeholder 2"/>
+          <p:cNvSpPr>
+            <a:spLocks noGrp="1"/>
+          </p:cNvSpPr>
+          <p:nvPr>
+            <p:ph idx="1"/>
+          </p:nvPr>
+        </p:nvSpPr>
+        <p:spPr/>
+        <p:txBody>
           <a:bodyPr>
-            <a:normAutofit fontScale="90000"/>
+            <a:normAutofit fontScale="92500" lnSpcReduction="20000"/>
           </a:bodyPr>
-          <a:lstStyle/>
-          <a:p>
-            <a:r>
-              <a:rPr lang="en-US" dirty="0" smtClean="0"/>
-              <a:t>Elbow Method – Number Of Clusters</a:t>
-            </a:r>
-            <a:endParaRPr lang="en-US" dirty="0"/>
-          </a:p>
-        </p:txBody>
-      </p:sp>
-      <p:sp>
-        <p:nvSpPr>
-          <p:cNvPr id="3" name="Content Placeholder 2"/>
-          <p:cNvSpPr>
-            <a:spLocks noGrp="1"/>
-          </p:cNvSpPr>
-          <p:nvPr>
-            <p:ph idx="1"/>
-          </p:nvPr>
-        </p:nvSpPr>
-        <p:spPr/>
-        <p:txBody>
-          <a:bodyPr/>
           <a:lstStyle/>
           <a:p>
             <a:pPr marL="514350" indent="-514350">
@@ -4448,8 +4757,8 @@
               <a:buAutoNum type="arabicPeriod"/>
             </a:pPr>
             <a:r>
-              <a:rPr lang="en-US" dirty="0" smtClean="0"/>
-              <a:t>Select range of values for K</a:t>
+              <a:rPr lang="en-IN" dirty="0"/>
+              <a:t>Select number of clusters – K </a:t>
             </a:r>
           </a:p>
           <a:p>
@@ -4458,15 +4767,8 @@
               <a:buAutoNum type="arabicPeriod"/>
             </a:pPr>
             <a:r>
-              <a:rPr lang="en-US" dirty="0" smtClean="0"/>
-              <a:t>For each value of K</a:t>
-            </a:r>
-          </a:p>
-          <a:p>
-            <a:pPr marL="914400" lvl="1" indent="-514350"/>
-            <a:r>
-              <a:rPr lang="en-US" dirty="0" smtClean="0"/>
-              <a:t>Compute WCSS value</a:t>
+              <a:rPr lang="en-IN" dirty="0"/>
+              <a:t>Select random K points as centroids</a:t>
             </a:r>
           </a:p>
           <a:p>
@@ -4475,22 +4777,15 @@
               <a:buAutoNum type="arabicPeriod"/>
             </a:pPr>
             <a:r>
-              <a:rPr lang="en-IN" dirty="0" smtClean="0"/>
-              <a:t>Plots curve between </a:t>
-            </a:r>
-          </a:p>
-          <a:p>
-            <a:pPr marL="914400" lvl="1" indent="-514350"/>
-            <a:r>
-              <a:rPr lang="en-IN" dirty="0" smtClean="0"/>
-              <a:t>Calculated WCSS values </a:t>
-            </a:r>
-          </a:p>
-          <a:p>
-            <a:pPr marL="914400" lvl="1" indent="-514350"/>
-            <a:r>
-              <a:rPr lang="en-IN" dirty="0" smtClean="0"/>
-              <a:t>Number of clusters K</a:t>
+              <a:rPr lang="en-IN" dirty="0"/>
+              <a:t>Cluster assignment</a:t>
+            </a:r>
+          </a:p>
+          <a:p>
+            <a:pPr marL="971550" lvl="1" indent="-514350"/>
+            <a:r>
+              <a:rPr lang="en-IN" dirty="0"/>
+              <a:t>Assign each data point to closest centroid</a:t>
             </a:r>
           </a:p>
           <a:p>
@@ -4499,13 +4794,47 @@
               <a:buAutoNum type="arabicPeriod"/>
             </a:pPr>
             <a:r>
-              <a:rPr lang="en-US" dirty="0" smtClean="0"/>
-              <a:t>Best value of K – Sharp reduction in WCSS</a:t>
-            </a:r>
-          </a:p>
-          <a:p>
-            <a:pPr lvl="1"/>
-            <a:endParaRPr lang="en-US" dirty="0"/>
+              <a:rPr lang="en-IN" dirty="0"/>
+              <a:t>Centroid movement</a:t>
+            </a:r>
+          </a:p>
+          <a:p>
+            <a:pPr marL="971550" lvl="1" indent="-514350"/>
+            <a:r>
+              <a:rPr lang="en-IN" dirty="0"/>
+              <a:t>Compute centroids for new clusters </a:t>
+            </a:r>
+          </a:p>
+          <a:p>
+            <a:pPr marL="514350" indent="-514350">
+              <a:buFont typeface="+mj-lt"/>
+              <a:buAutoNum type="arabicPeriod"/>
+            </a:pPr>
+            <a:r>
+              <a:rPr lang="en-IN" dirty="0"/>
+              <a:t>Repeat Steps 3 to 5 until </a:t>
+            </a:r>
+          </a:p>
+          <a:p>
+            <a:pPr marL="914400" lvl="1" indent="-514350"/>
+            <a:r>
+              <a:rPr lang="en-US" dirty="0"/>
+              <a:t>Maximum number of iterations</a:t>
+            </a:r>
+          </a:p>
+          <a:p>
+            <a:pPr marL="914400" lvl="1" indent="-514350"/>
+            <a:r>
+              <a:rPr lang="en-US" dirty="0"/>
+              <a:t>Minimum variation in cluster centers</a:t>
+            </a:r>
+          </a:p>
+          <a:p>
+            <a:pPr marL="914400" lvl="1" indent="-514350"/>
+            <a:r>
+              <a:rPr lang="en-US" dirty="0"/>
+              <a:t>No change in cluster centers</a:t>
+            </a:r>
           </a:p>
         </p:txBody>
       </p:sp>
@@ -4514,13 +4843,6 @@
   <p:clrMapOvr>
     <a:masterClrMapping/>
   </p:clrMapOvr>
-  <p:timing>
-    <p:tnLst>
-      <p:par>
-        <p:cTn id="1" dur="indefinite" restart="never" nodeType="tmRoot"/>
-      </p:par>
-    </p:tnLst>
-  </p:timing>
 </p:sld>
 </file>
 
@@ -4553,16 +4875,276 @@
         </p:nvSpPr>
         <p:spPr/>
         <p:txBody>
+          <a:bodyPr/>
+          <a:lstStyle/>
+          <a:p>
+            <a:r>
+              <a:rPr lang="en-US" dirty="0"/>
+              <a:t>Random Initialization</a:t>
+            </a:r>
+          </a:p>
+        </p:txBody>
+      </p:sp>
+      <p:sp>
+        <p:nvSpPr>
+          <p:cNvPr id="3" name="Content Placeholder 2"/>
+          <p:cNvSpPr>
+            <a:spLocks noGrp="1"/>
+          </p:cNvSpPr>
+          <p:nvPr>
+            <p:ph idx="1"/>
+          </p:nvPr>
+        </p:nvSpPr>
+        <p:spPr/>
+        <p:txBody>
+          <a:bodyPr>
+            <a:normAutofit/>
+          </a:bodyPr>
+          <a:lstStyle/>
+          <a:p>
+            <a:pPr marL="514350" indent="-514350">
+              <a:buFont typeface="+mj-lt"/>
+              <a:buAutoNum type="arabicPeriod"/>
+            </a:pPr>
+            <a:r>
+              <a:rPr lang="en-IN" dirty="0"/>
+              <a:t>Select maximum number of iterations</a:t>
+            </a:r>
+          </a:p>
+          <a:p>
+            <a:pPr marL="514350" indent="-514350">
+              <a:buFont typeface="+mj-lt"/>
+              <a:buAutoNum type="arabicPeriod"/>
+            </a:pPr>
+            <a:r>
+              <a:rPr lang="en-US" dirty="0"/>
+              <a:t>For each iteration</a:t>
+            </a:r>
+          </a:p>
+          <a:p>
+            <a:pPr marL="914400" lvl="1" indent="-514350"/>
+            <a:r>
+              <a:rPr lang="en-IN" dirty="0"/>
+              <a:t>Select random K points as centroids</a:t>
+            </a:r>
+            <a:endParaRPr lang="en-US" dirty="0"/>
+          </a:p>
+          <a:p>
+            <a:pPr marL="914400" lvl="1" indent="-514350"/>
+            <a:r>
+              <a:rPr lang="en-US" dirty="0"/>
+              <a:t>Compute K clusters </a:t>
+            </a:r>
+          </a:p>
+          <a:p>
+            <a:pPr marL="914400" lvl="1" indent="-514350"/>
+            <a:r>
+              <a:rPr lang="en-US" dirty="0"/>
+              <a:t>Compute WCSS value</a:t>
+            </a:r>
+          </a:p>
+          <a:p>
+            <a:pPr marL="914400" lvl="1" indent="-514350"/>
+            <a:r>
+              <a:rPr lang="en-US" dirty="0"/>
+              <a:t>Keep cluster centroids with minimum WCSS</a:t>
+            </a:r>
+          </a:p>
+          <a:p>
+            <a:pPr marL="514350" indent="-514350">
+              <a:buFont typeface="+mj-lt"/>
+              <a:buAutoNum type="arabicPeriod"/>
+            </a:pPr>
+            <a:r>
+              <a:rPr lang="en-US" dirty="0"/>
+              <a:t>Use cluster centroids with minimum WCSS</a:t>
+            </a:r>
+          </a:p>
+          <a:p>
+            <a:pPr marL="514350" indent="-514350">
+              <a:buFont typeface="+mj-lt"/>
+              <a:buAutoNum type="arabicPeriod"/>
+            </a:pPr>
+            <a:endParaRPr lang="en-IN" dirty="0"/>
+          </a:p>
+        </p:txBody>
+      </p:sp>
+    </p:spTree>
+  </p:cSld>
+  <p:clrMapOvr>
+    <a:masterClrMapping/>
+  </p:clrMapOvr>
+</p:sld>
+</file>
+
+<file path=ppt/slides/slide15.xml><?xml version="1.0" encoding="utf-8"?>
+<p:sld xmlns:a="http://schemas.openxmlformats.org/drawingml/2006/main" xmlns:r="http://schemas.openxmlformats.org/officeDocument/2006/relationships" xmlns:p="http://schemas.openxmlformats.org/presentationml/2006/main">
+  <p:cSld>
+    <p:spTree>
+      <p:nvGrpSpPr>
+        <p:cNvPr id="1" name=""/>
+        <p:cNvGrpSpPr/>
+        <p:nvPr/>
+      </p:nvGrpSpPr>
+      <p:grpSpPr>
+        <a:xfrm>
+          <a:off x="0" y="0"/>
+          <a:ext cx="0" cy="0"/>
+          <a:chOff x="0" y="0"/>
+          <a:chExt cx="0" cy="0"/>
+        </a:xfrm>
+      </p:grpSpPr>
+      <p:sp>
+        <p:nvSpPr>
+          <p:cNvPr id="2" name="Title 1"/>
+          <p:cNvSpPr>
+            <a:spLocks noGrp="1"/>
+          </p:cNvSpPr>
+          <p:nvPr>
+            <p:ph type="title"/>
+          </p:nvPr>
+        </p:nvSpPr>
+        <p:spPr/>
+        <p:txBody>
           <a:bodyPr>
             <a:normAutofit fontScale="90000"/>
           </a:bodyPr>
           <a:lstStyle/>
           <a:p>
             <a:r>
-              <a:rPr lang="en-US" dirty="0" smtClean="0"/>
+              <a:rPr lang="en-US" dirty="0"/>
               <a:t>Elbow Method – Number Of Clusters</a:t>
             </a:r>
+          </a:p>
+        </p:txBody>
+      </p:sp>
+      <p:sp>
+        <p:nvSpPr>
+          <p:cNvPr id="3" name="Content Placeholder 2"/>
+          <p:cNvSpPr>
+            <a:spLocks noGrp="1"/>
+          </p:cNvSpPr>
+          <p:nvPr>
+            <p:ph idx="1"/>
+          </p:nvPr>
+        </p:nvSpPr>
+        <p:spPr/>
+        <p:txBody>
+          <a:bodyPr/>
+          <a:lstStyle/>
+          <a:p>
+            <a:pPr marL="514350" indent="-514350">
+              <a:buFont typeface="+mj-lt"/>
+              <a:buAutoNum type="arabicPeriod"/>
+            </a:pPr>
+            <a:r>
+              <a:rPr lang="en-US" dirty="0"/>
+              <a:t>Select range of values for K</a:t>
+            </a:r>
+          </a:p>
+          <a:p>
+            <a:pPr marL="514350" indent="-514350">
+              <a:buFont typeface="+mj-lt"/>
+              <a:buAutoNum type="arabicPeriod"/>
+            </a:pPr>
+            <a:r>
+              <a:rPr lang="en-US" dirty="0"/>
+              <a:t>For each value of K</a:t>
+            </a:r>
+          </a:p>
+          <a:p>
+            <a:pPr marL="914400" lvl="1" indent="-514350"/>
+            <a:r>
+              <a:rPr lang="en-US" dirty="0"/>
+              <a:t>Compute WCSS value</a:t>
+            </a:r>
+          </a:p>
+          <a:p>
+            <a:pPr marL="514350" indent="-514350">
+              <a:buFont typeface="+mj-lt"/>
+              <a:buAutoNum type="arabicPeriod"/>
+            </a:pPr>
+            <a:r>
+              <a:rPr lang="en-IN" dirty="0"/>
+              <a:t>Plots curve between </a:t>
+            </a:r>
+          </a:p>
+          <a:p>
+            <a:pPr marL="914400" lvl="1" indent="-514350"/>
+            <a:r>
+              <a:rPr lang="en-IN" dirty="0"/>
+              <a:t>Calculated WCSS values </a:t>
+            </a:r>
+          </a:p>
+          <a:p>
+            <a:pPr marL="914400" lvl="1" indent="-514350"/>
+            <a:r>
+              <a:rPr lang="en-IN" dirty="0"/>
+              <a:t>Number of clusters K</a:t>
+            </a:r>
+          </a:p>
+          <a:p>
+            <a:pPr marL="514350" indent="-514350">
+              <a:buFont typeface="+mj-lt"/>
+              <a:buAutoNum type="arabicPeriod"/>
+            </a:pPr>
+            <a:r>
+              <a:rPr lang="en-US" dirty="0"/>
+              <a:t>Best value of K – Sharp reduction in WCSS</a:t>
+            </a:r>
+          </a:p>
+          <a:p>
+            <a:pPr lvl="1"/>
             <a:endParaRPr lang="en-US" dirty="0"/>
+          </a:p>
+        </p:txBody>
+      </p:sp>
+    </p:spTree>
+  </p:cSld>
+  <p:clrMapOvr>
+    <a:masterClrMapping/>
+  </p:clrMapOvr>
+</p:sld>
+</file>
+
+<file path=ppt/slides/slide16.xml><?xml version="1.0" encoding="utf-8"?>
+<p:sld xmlns:a="http://schemas.openxmlformats.org/drawingml/2006/main" xmlns:r="http://schemas.openxmlformats.org/officeDocument/2006/relationships" xmlns:p="http://schemas.openxmlformats.org/presentationml/2006/main">
+  <p:cSld>
+    <p:spTree>
+      <p:nvGrpSpPr>
+        <p:cNvPr id="1" name=""/>
+        <p:cNvGrpSpPr/>
+        <p:nvPr/>
+      </p:nvGrpSpPr>
+      <p:grpSpPr>
+        <a:xfrm>
+          <a:off x="0" y="0"/>
+          <a:ext cx="0" cy="0"/>
+          <a:chOff x="0" y="0"/>
+          <a:chExt cx="0" cy="0"/>
+        </a:xfrm>
+      </p:grpSpPr>
+      <p:sp>
+        <p:nvSpPr>
+          <p:cNvPr id="2" name="Title 1"/>
+          <p:cNvSpPr>
+            <a:spLocks noGrp="1"/>
+          </p:cNvSpPr>
+          <p:nvPr>
+            <p:ph type="title"/>
+          </p:nvPr>
+        </p:nvSpPr>
+        <p:spPr/>
+        <p:txBody>
+          <a:bodyPr>
+            <a:normAutofit fontScale="90000"/>
+          </a:bodyPr>
+          <a:lstStyle/>
+          <a:p>
+            <a:r>
+              <a:rPr lang="en-US" dirty="0"/>
+              <a:t>Elbow Method – Number Of Clusters</a:t>
+            </a:r>
           </a:p>
         </p:txBody>
       </p:sp>
@@ -4595,207 +5177,6 @@
   <p:clrMapOvr>
     <a:masterClrMapping/>
   </p:clrMapOvr>
-  <p:timing>
-    <p:tnLst>
-      <p:par>
-        <p:cTn id="1" dur="indefinite" restart="never" nodeType="tmRoot"/>
-      </p:par>
-    </p:tnLst>
-  </p:timing>
-</p:sld>
-</file>
-
-<file path=ppt/slides/slide15.xml><?xml version="1.0" encoding="utf-8"?>
-<p:sld xmlns:a="http://schemas.openxmlformats.org/drawingml/2006/main" xmlns:r="http://schemas.openxmlformats.org/officeDocument/2006/relationships" xmlns:p="http://schemas.openxmlformats.org/presentationml/2006/main">
-  <p:cSld>
-    <p:spTree>
-      <p:nvGrpSpPr>
-        <p:cNvPr id="1" name=""/>
-        <p:cNvGrpSpPr/>
-        <p:nvPr/>
-      </p:nvGrpSpPr>
-      <p:grpSpPr>
-        <a:xfrm>
-          <a:off x="0" y="0"/>
-          <a:ext cx="0" cy="0"/>
-          <a:chOff x="0" y="0"/>
-          <a:chExt cx="0" cy="0"/>
-        </a:xfrm>
-      </p:grpSpPr>
-      <p:sp>
-        <p:nvSpPr>
-          <p:cNvPr id="2" name="Title 1"/>
-          <p:cNvSpPr>
-            <a:spLocks noGrp="1"/>
-          </p:cNvSpPr>
-          <p:nvPr>
-            <p:ph type="title"/>
-          </p:nvPr>
-        </p:nvSpPr>
-        <p:spPr/>
-        <p:txBody>
-          <a:bodyPr/>
-          <a:lstStyle/>
-          <a:p>
-            <a:r>
-              <a:rPr lang="en-IN" dirty="0" smtClean="0"/>
-              <a:t>Advantages</a:t>
-            </a:r>
-            <a:endParaRPr lang="en-IN" dirty="0"/>
-          </a:p>
-        </p:txBody>
-      </p:sp>
-      <p:sp>
-        <p:nvSpPr>
-          <p:cNvPr id="3" name="Content Placeholder 2"/>
-          <p:cNvSpPr>
-            <a:spLocks noGrp="1"/>
-          </p:cNvSpPr>
-          <p:nvPr>
-            <p:ph idx="1"/>
-          </p:nvPr>
-        </p:nvSpPr>
-        <p:spPr/>
-        <p:txBody>
-          <a:bodyPr/>
-          <a:lstStyle/>
-          <a:p>
-            <a:r>
-              <a:rPr lang="en-IN" dirty="0" smtClean="0"/>
-              <a:t>Easy to implement</a:t>
-            </a:r>
-          </a:p>
-          <a:p>
-            <a:r>
-              <a:rPr lang="en-IN" dirty="0" smtClean="0"/>
-              <a:t>Computationally faster</a:t>
-            </a:r>
-          </a:p>
-          <a:p>
-            <a:r>
-              <a:rPr lang="en-IN" dirty="0" smtClean="0"/>
-              <a:t>Works well with spherical clusters</a:t>
-            </a:r>
-            <a:endParaRPr lang="en-IN" dirty="0"/>
-          </a:p>
-        </p:txBody>
-      </p:sp>
-    </p:spTree>
-  </p:cSld>
-  <p:clrMapOvr>
-    <a:masterClrMapping/>
-  </p:clrMapOvr>
-  <p:timing>
-    <p:tnLst>
-      <p:par>
-        <p:cTn id="1" dur="indefinite" restart="never" nodeType="tmRoot"/>
-      </p:par>
-    </p:tnLst>
-  </p:timing>
-</p:sld>
-</file>
-
-<file path=ppt/slides/slide16.xml><?xml version="1.0" encoding="utf-8"?>
-<p:sld xmlns:a="http://schemas.openxmlformats.org/drawingml/2006/main" xmlns:r="http://schemas.openxmlformats.org/officeDocument/2006/relationships" xmlns:p="http://schemas.openxmlformats.org/presentationml/2006/main">
-  <p:cSld>
-    <p:spTree>
-      <p:nvGrpSpPr>
-        <p:cNvPr id="1" name=""/>
-        <p:cNvGrpSpPr/>
-        <p:nvPr/>
-      </p:nvGrpSpPr>
-      <p:grpSpPr>
-        <a:xfrm>
-          <a:off x="0" y="0"/>
-          <a:ext cx="0" cy="0"/>
-          <a:chOff x="0" y="0"/>
-          <a:chExt cx="0" cy="0"/>
-        </a:xfrm>
-      </p:grpSpPr>
-      <p:sp>
-        <p:nvSpPr>
-          <p:cNvPr id="2" name="Title 1"/>
-          <p:cNvSpPr>
-            <a:spLocks noGrp="1"/>
-          </p:cNvSpPr>
-          <p:nvPr>
-            <p:ph type="title"/>
-          </p:nvPr>
-        </p:nvSpPr>
-        <p:spPr/>
-        <p:txBody>
-          <a:bodyPr/>
-          <a:lstStyle/>
-          <a:p>
-            <a:r>
-              <a:rPr lang="en-IN" dirty="0" smtClean="0"/>
-              <a:t>Disadvantages</a:t>
-            </a:r>
-            <a:endParaRPr lang="en-IN" dirty="0"/>
-          </a:p>
-        </p:txBody>
-      </p:sp>
-      <p:sp>
-        <p:nvSpPr>
-          <p:cNvPr id="3" name="Content Placeholder 2"/>
-          <p:cNvSpPr>
-            <a:spLocks noGrp="1"/>
-          </p:cNvSpPr>
-          <p:nvPr>
-            <p:ph idx="1"/>
-          </p:nvPr>
-        </p:nvSpPr>
-        <p:spPr/>
-        <p:txBody>
-          <a:bodyPr>
-            <a:normAutofit/>
-          </a:bodyPr>
-          <a:lstStyle/>
-          <a:p>
-            <a:r>
-              <a:rPr lang="en-IN" dirty="0" smtClean="0"/>
-              <a:t>Difficult to predict number of clusters K</a:t>
-            </a:r>
-          </a:p>
-          <a:p>
-            <a:r>
-              <a:rPr lang="en-IN" dirty="0" smtClean="0"/>
-              <a:t>Random initialization – Strong impact</a:t>
-            </a:r>
-          </a:p>
-          <a:p>
-            <a:r>
-              <a:rPr lang="en-IN" dirty="0" smtClean="0"/>
-              <a:t>Sensitive to outliers</a:t>
-            </a:r>
-          </a:p>
-          <a:p>
-            <a:r>
-              <a:rPr lang="en-IN" dirty="0" smtClean="0"/>
-              <a:t>Asymmetric clusters</a:t>
-            </a:r>
-          </a:p>
-          <a:p>
-            <a:r>
-              <a:rPr lang="en-IN" dirty="0" smtClean="0"/>
-              <a:t>Good for spherical clusters only</a:t>
-            </a:r>
-            <a:endParaRPr lang="en-IN" dirty="0"/>
-          </a:p>
-        </p:txBody>
-      </p:sp>
-    </p:spTree>
-  </p:cSld>
-  <p:clrMapOvr>
-    <a:masterClrMapping/>
-  </p:clrMapOvr>
-  <p:timing>
-    <p:tnLst>
-      <p:par>
-        <p:cTn id="1" dur="indefinite" restart="never" nodeType="tmRoot"/>
-      </p:par>
-    </p:tnLst>
-  </p:timing>
 </p:sld>
 </file>
 
@@ -4823,42 +5204,52 @@
             <a:spLocks noGrp="1"/>
           </p:cNvSpPr>
           <p:nvPr>
-            <p:ph type="ctrTitle"/>
-          </p:nvPr>
-        </p:nvSpPr>
-        <p:spPr/>
-        <p:txBody>
-          <a:bodyPr/>
-          <a:lstStyle/>
-          <a:p>
-            <a:r>
-              <a:rPr lang="en-US" dirty="0" smtClean="0"/>
-              <a:t>Questions?</a:t>
-            </a:r>
-            <a:endParaRPr lang="en-US" dirty="0"/>
-          </a:p>
-        </p:txBody>
-      </p:sp>
-      <p:sp>
-        <p:nvSpPr>
-          <p:cNvPr id="3" name="Subtitle 2"/>
-          <p:cNvSpPr>
-            <a:spLocks noGrp="1"/>
-          </p:cNvSpPr>
-          <p:nvPr>
-            <p:ph type="subTitle" idx="1"/>
-          </p:nvPr>
-        </p:nvSpPr>
-        <p:spPr/>
-        <p:txBody>
-          <a:bodyPr/>
-          <a:lstStyle/>
-          <a:p>
-            <a:r>
-              <a:rPr lang="en-US" dirty="0" smtClean="0"/>
-              <a:t>Thank you</a:t>
-            </a:r>
-            <a:endParaRPr lang="en-US" dirty="0"/>
+            <p:ph type="title"/>
+          </p:nvPr>
+        </p:nvSpPr>
+        <p:spPr/>
+        <p:txBody>
+          <a:bodyPr/>
+          <a:lstStyle/>
+          <a:p>
+            <a:r>
+              <a:rPr lang="en-IN" dirty="0"/>
+              <a:t>Advantages</a:t>
+            </a:r>
+          </a:p>
+        </p:txBody>
+      </p:sp>
+      <p:sp>
+        <p:nvSpPr>
+          <p:cNvPr id="3" name="Content Placeholder 2"/>
+          <p:cNvSpPr>
+            <a:spLocks noGrp="1"/>
+          </p:cNvSpPr>
+          <p:nvPr>
+            <p:ph idx="1"/>
+          </p:nvPr>
+        </p:nvSpPr>
+        <p:spPr/>
+        <p:txBody>
+          <a:bodyPr/>
+          <a:lstStyle/>
+          <a:p>
+            <a:r>
+              <a:rPr lang="en-IN" dirty="0"/>
+              <a:t>Easy to implement</a:t>
+            </a:r>
+          </a:p>
+          <a:p>
+            <a:r>
+              <a:rPr lang="en-IN" dirty="0"/>
+              <a:t>Computationally faster</a:t>
+            </a:r>
+          </a:p>
+          <a:p>
+            <a:r>
+              <a:rPr lang="en-IN" dirty="0"/>
+              <a:t>Works well with spherical clusters</a:t>
+            </a:r>
           </a:p>
         </p:txBody>
       </p:sp>
@@ -4867,13 +5258,170 @@
   <p:clrMapOvr>
     <a:masterClrMapping/>
   </p:clrMapOvr>
-  <p:timing>
-    <p:tnLst>
-      <p:par>
-        <p:cTn id="1" dur="indefinite" restart="never" nodeType="tmRoot"/>
-      </p:par>
-    </p:tnLst>
-  </p:timing>
+</p:sld>
+</file>
+
+<file path=ppt/slides/slide18.xml><?xml version="1.0" encoding="utf-8"?>
+<p:sld xmlns:a="http://schemas.openxmlformats.org/drawingml/2006/main" xmlns:r="http://schemas.openxmlformats.org/officeDocument/2006/relationships" xmlns:p="http://schemas.openxmlformats.org/presentationml/2006/main">
+  <p:cSld>
+    <p:spTree>
+      <p:nvGrpSpPr>
+        <p:cNvPr id="1" name=""/>
+        <p:cNvGrpSpPr/>
+        <p:nvPr/>
+      </p:nvGrpSpPr>
+      <p:grpSpPr>
+        <a:xfrm>
+          <a:off x="0" y="0"/>
+          <a:ext cx="0" cy="0"/>
+          <a:chOff x="0" y="0"/>
+          <a:chExt cx="0" cy="0"/>
+        </a:xfrm>
+      </p:grpSpPr>
+      <p:sp>
+        <p:nvSpPr>
+          <p:cNvPr id="2" name="Title 1"/>
+          <p:cNvSpPr>
+            <a:spLocks noGrp="1"/>
+          </p:cNvSpPr>
+          <p:nvPr>
+            <p:ph type="title"/>
+          </p:nvPr>
+        </p:nvSpPr>
+        <p:spPr/>
+        <p:txBody>
+          <a:bodyPr/>
+          <a:lstStyle/>
+          <a:p>
+            <a:r>
+              <a:rPr lang="en-IN" dirty="0"/>
+              <a:t>Disadvantages</a:t>
+            </a:r>
+          </a:p>
+        </p:txBody>
+      </p:sp>
+      <p:sp>
+        <p:nvSpPr>
+          <p:cNvPr id="3" name="Content Placeholder 2"/>
+          <p:cNvSpPr>
+            <a:spLocks noGrp="1"/>
+          </p:cNvSpPr>
+          <p:nvPr>
+            <p:ph idx="1"/>
+          </p:nvPr>
+        </p:nvSpPr>
+        <p:spPr/>
+        <p:txBody>
+          <a:bodyPr>
+            <a:normAutofit/>
+          </a:bodyPr>
+          <a:lstStyle/>
+          <a:p>
+            <a:r>
+              <a:rPr lang="en-IN" dirty="0"/>
+              <a:t>Difficult to predict number of clusters K</a:t>
+            </a:r>
+          </a:p>
+          <a:p>
+            <a:r>
+              <a:rPr lang="en-IN" dirty="0"/>
+              <a:t>Random initialization – Strong impact</a:t>
+            </a:r>
+          </a:p>
+          <a:p>
+            <a:r>
+              <a:rPr lang="en-IN" dirty="0"/>
+              <a:t>Sensitive to outliers</a:t>
+            </a:r>
+          </a:p>
+          <a:p>
+            <a:r>
+              <a:rPr lang="en-IN" dirty="0"/>
+              <a:t>Asymmetric clusters</a:t>
+            </a:r>
+          </a:p>
+          <a:p>
+            <a:r>
+              <a:rPr lang="en-IN" dirty="0"/>
+              <a:t>Good for spherical clusters only</a:t>
+            </a:r>
+          </a:p>
+        </p:txBody>
+      </p:sp>
+    </p:spTree>
+  </p:cSld>
+  <p:clrMapOvr>
+    <a:masterClrMapping/>
+  </p:clrMapOvr>
+</p:sld>
+</file>
+
+<file path=ppt/slides/slide19.xml><?xml version="1.0" encoding="utf-8"?>
+<p:sld xmlns:a="http://schemas.openxmlformats.org/drawingml/2006/main" xmlns:r="http://schemas.openxmlformats.org/officeDocument/2006/relationships" xmlns:p="http://schemas.openxmlformats.org/presentationml/2006/main">
+  <p:cSld>
+    <p:spTree>
+      <p:nvGrpSpPr>
+        <p:cNvPr id="1" name=""/>
+        <p:cNvGrpSpPr/>
+        <p:nvPr/>
+      </p:nvGrpSpPr>
+      <p:grpSpPr>
+        <a:xfrm>
+          <a:off x="0" y="0"/>
+          <a:ext cx="0" cy="0"/>
+          <a:chOff x="0" y="0"/>
+          <a:chExt cx="0" cy="0"/>
+        </a:xfrm>
+      </p:grpSpPr>
+      <p:sp>
+        <p:nvSpPr>
+          <p:cNvPr id="2" name="Title 1"/>
+          <p:cNvSpPr>
+            <a:spLocks noGrp="1"/>
+          </p:cNvSpPr>
+          <p:nvPr>
+            <p:ph type="ctrTitle"/>
+          </p:nvPr>
+        </p:nvSpPr>
+        <p:spPr/>
+        <p:txBody>
+          <a:bodyPr/>
+          <a:lstStyle/>
+          <a:p>
+            <a:r>
+              <a:rPr lang="en-US" dirty="0"/>
+              <a:t>Questions?</a:t>
+            </a:r>
+          </a:p>
+        </p:txBody>
+      </p:sp>
+      <p:sp>
+        <p:nvSpPr>
+          <p:cNvPr id="3" name="Subtitle 2"/>
+          <p:cNvSpPr>
+            <a:spLocks noGrp="1"/>
+          </p:cNvSpPr>
+          <p:nvPr>
+            <p:ph type="subTitle" idx="1"/>
+          </p:nvPr>
+        </p:nvSpPr>
+        <p:spPr/>
+        <p:txBody>
+          <a:bodyPr/>
+          <a:lstStyle/>
+          <a:p>
+            <a:r>
+              <a:rPr lang="en-US" dirty="0"/>
+              <a:t>Thank you</a:t>
+            </a:r>
+          </a:p>
+        </p:txBody>
+      </p:sp>
+    </p:spTree>
+  </p:cSld>
+  <p:clrMapOvr>
+    <a:masterClrMapping/>
+  </p:clrMapOvr>
 </p:sld>
 </file>
 
@@ -4910,10 +5458,9 @@
           <a:lstStyle/>
           <a:p>
             <a:r>
-              <a:rPr lang="en-US" dirty="0" smtClean="0"/>
+              <a:rPr lang="en-US" dirty="0"/>
               <a:t>Topics</a:t>
             </a:r>
-            <a:endParaRPr lang="en-US" dirty="0"/>
           </a:p>
         </p:txBody>
       </p:sp>
@@ -4935,52 +5482,52 @@
           <a:lstStyle/>
           <a:p>
             <a:r>
-              <a:rPr lang="en-US" dirty="0" smtClean="0"/>
+              <a:rPr lang="en-US" dirty="0"/>
               <a:t>Introduction</a:t>
             </a:r>
           </a:p>
           <a:p>
             <a:r>
-              <a:rPr lang="en-US" dirty="0" smtClean="0"/>
+              <a:rPr lang="en-US" dirty="0"/>
               <a:t>Unsupervised learning</a:t>
             </a:r>
           </a:p>
           <a:p>
             <a:r>
-              <a:rPr lang="en-US" dirty="0" smtClean="0"/>
+              <a:rPr lang="en-US" dirty="0"/>
               <a:t>Clustering applications</a:t>
             </a:r>
           </a:p>
           <a:p>
             <a:r>
-              <a:rPr lang="en-US" dirty="0" smtClean="0"/>
+              <a:rPr lang="en-US" dirty="0"/>
               <a:t>K means clustering</a:t>
             </a:r>
           </a:p>
           <a:p>
             <a:r>
-              <a:rPr lang="en-US" dirty="0" smtClean="0"/>
+              <a:rPr lang="en-US" dirty="0"/>
               <a:t>Optimization objective</a:t>
             </a:r>
           </a:p>
           <a:p>
             <a:r>
-              <a:rPr lang="en-US" dirty="0" smtClean="0"/>
+              <a:rPr lang="en-US" dirty="0"/>
               <a:t>Random initialization</a:t>
             </a:r>
           </a:p>
           <a:p>
             <a:r>
-              <a:rPr lang="en-US" dirty="0" smtClean="0"/>
+              <a:rPr lang="en-US" dirty="0"/>
               <a:t>Number of clusters</a:t>
             </a:r>
           </a:p>
           <a:p>
             <a:r>
-              <a:rPr lang="en-US" smtClean="0"/>
+              <a:rPr lang="en-US"/>
               <a:t>Advantages and disadvantages</a:t>
             </a:r>
-            <a:endParaRPr lang="en-US" dirty="0" smtClean="0"/>
+            <a:endParaRPr lang="en-US" dirty="0"/>
           </a:p>
           <a:p>
             <a:endParaRPr lang="en-US" dirty="0"/>
@@ -4992,13 +5539,6 @@
   <p:clrMapOvr>
     <a:masterClrMapping/>
   </p:clrMapOvr>
-  <p:timing>
-    <p:tnLst>
-      <p:par>
-        <p:cTn id="1" dur="indefinite" restart="never" nodeType="tmRoot"/>
-      </p:par>
-    </p:tnLst>
-  </p:timing>
 </p:sld>
 </file>
 
@@ -5035,10 +5575,9 @@
           <a:lstStyle/>
           <a:p>
             <a:r>
-              <a:rPr lang="en-US" dirty="0" smtClean="0"/>
+              <a:rPr lang="en-US" dirty="0"/>
               <a:t>Supervised Learning</a:t>
             </a:r>
-            <a:endParaRPr lang="en-US" dirty="0"/>
           </a:p>
         </p:txBody>
       </p:sp>
@@ -5058,61 +5597,61 @@
           <a:lstStyle/>
           <a:p>
             <a:r>
-              <a:rPr lang="en-US" dirty="0" smtClean="0"/>
+              <a:rPr lang="en-US" dirty="0"/>
               <a:t>Training set – { (x</a:t>
             </a:r>
             <a:r>
-              <a:rPr lang="en-US" baseline="30000" dirty="0" smtClean="0"/>
+              <a:rPr lang="en-US" baseline="30000" dirty="0"/>
               <a:t>(1)</a:t>
             </a:r>
             <a:r>
-              <a:rPr lang="en-US" dirty="0" smtClean="0"/>
+              <a:rPr lang="en-US" dirty="0"/>
               <a:t>,y</a:t>
             </a:r>
             <a:r>
-              <a:rPr lang="en-US" baseline="30000" dirty="0" smtClean="0"/>
+              <a:rPr lang="en-US" baseline="30000" dirty="0"/>
               <a:t>(1)</a:t>
             </a:r>
             <a:r>
-              <a:rPr lang="en-US" dirty="0" smtClean="0"/>
+              <a:rPr lang="en-US" dirty="0"/>
               <a:t>), (x</a:t>
             </a:r>
             <a:r>
-              <a:rPr lang="en-US" baseline="30000" dirty="0" smtClean="0"/>
+              <a:rPr lang="en-US" baseline="30000" dirty="0"/>
               <a:t>(2)</a:t>
             </a:r>
             <a:r>
-              <a:rPr lang="en-US" dirty="0" smtClean="0"/>
+              <a:rPr lang="en-US" dirty="0"/>
               <a:t>,y</a:t>
             </a:r>
             <a:r>
-              <a:rPr lang="en-US" baseline="30000" dirty="0" smtClean="0"/>
+              <a:rPr lang="en-US" baseline="30000" dirty="0"/>
               <a:t>(2)</a:t>
             </a:r>
             <a:r>
-              <a:rPr lang="en-US" dirty="0" smtClean="0"/>
+              <a:rPr lang="en-US" dirty="0"/>
               <a:t>), …, (x</a:t>
             </a:r>
             <a:r>
-              <a:rPr lang="en-US" baseline="30000" dirty="0" smtClean="0"/>
+              <a:rPr lang="en-US" baseline="30000" dirty="0"/>
               <a:t>(m)</a:t>
             </a:r>
             <a:r>
-              <a:rPr lang="en-US" dirty="0" smtClean="0"/>
+              <a:rPr lang="en-US" dirty="0"/>
               <a:t>,y</a:t>
             </a:r>
             <a:r>
-              <a:rPr lang="en-US" baseline="30000" dirty="0" smtClean="0"/>
+              <a:rPr lang="en-US" baseline="30000" dirty="0"/>
               <a:t>(m)</a:t>
             </a:r>
             <a:r>
-              <a:rPr lang="en-US" dirty="0" smtClean="0"/>
+              <a:rPr lang="en-US" dirty="0"/>
               <a:t>)}</a:t>
             </a:r>
           </a:p>
           <a:p>
             <a:r>
-              <a:rPr lang="en-US" dirty="0" smtClean="0"/>
+              <a:rPr lang="en-US" dirty="0"/>
               <a:t>Labeled dataset</a:t>
             </a:r>
           </a:p>
@@ -5137,7 +5676,7 @@
         </p:blipFill>
         <p:spPr>
           <a:xfrm>
-            <a:off x="838200" y="2971800"/>
+            <a:off x="838200" y="2743200"/>
             <a:ext cx="7467600" cy="3733800"/>
           </a:xfrm>
           <a:prstGeom prst="rect">
@@ -5145,18 +5684,80 @@
           </a:prstGeom>
         </p:spPr>
       </p:pic>
+      <p:sp>
+        <p:nvSpPr>
+          <p:cNvPr id="3" name="Text Box 10">
+            <a:extLst>
+              <a:ext uri="{FF2B5EF4-FFF2-40B4-BE49-F238E27FC236}">
+                <a16:creationId xmlns:a16="http://schemas.microsoft.com/office/drawing/2014/main" id="{F975073C-37AB-7BCD-5DA5-68BB2CF66B19}"/>
+              </a:ext>
+            </a:extLst>
+          </p:cNvPr>
+          <p:cNvSpPr txBox="1">
+            <a:spLocks noChangeArrowheads="1"/>
+          </p:cNvSpPr>
+          <p:nvPr/>
+        </p:nvSpPr>
+        <p:spPr bwMode="auto">
+          <a:xfrm rot="10800000" flipV="1">
+            <a:off x="0" y="6519446"/>
+            <a:ext cx="1828800" cy="338554"/>
+          </a:xfrm>
+          <a:prstGeom prst="rect">
+            <a:avLst/>
+          </a:prstGeom>
+          <a:noFill/>
+          <a:ln w="9525">
+            <a:noFill/>
+            <a:miter lim="800000"/>
+            <a:headEnd/>
+            <a:tailEnd/>
+          </a:ln>
+          <a:effectLst/>
+        </p:spPr>
+        <p:txBody>
+          <a:bodyPr wrap="square">
+            <a:spAutoFit/>
+          </a:bodyPr>
+          <a:lstStyle/>
+          <a:p>
+            <a:pPr>
+              <a:spcBef>
+                <a:spcPct val="50000"/>
+              </a:spcBef>
+            </a:pPr>
+            <a:r>
+              <a:rPr lang="en-US" sz="1600" b="1" dirty="0">
+                <a:solidFill>
+                  <a:srgbClr val="FF0000"/>
+                </a:solidFill>
+              </a:rPr>
+              <a:t>Image </a:t>
+            </a:r>
+            <a:r>
+              <a:rPr lang="en-US" sz="1600" b="1" dirty="0" err="1">
+                <a:solidFill>
+                  <a:srgbClr val="FF0000"/>
+                </a:solidFill>
+              </a:rPr>
+              <a:t>ack</a:t>
+            </a:r>
+            <a:r>
+              <a:rPr lang="en-US" sz="1600" b="1" dirty="0">
+                <a:solidFill>
+                  <a:srgbClr val="FF0000"/>
+                </a:solidFill>
+              </a:rPr>
+              <a:t> – Google</a:t>
+            </a:r>
+          </a:p>
+        </p:txBody>
+      </p:sp>
     </p:spTree>
   </p:cSld>
   <p:clrMapOvr>
     <a:masterClrMapping/>
   </p:clrMapOvr>
-  <p:timing>
-    <p:tnLst>
-      <p:par>
-        <p:cTn id="1" dur="indefinite" restart="never" nodeType="tmRoot"/>
-      </p:par>
-    </p:tnLst>
-  </p:timing>
 </p:sld>
 </file>
 
@@ -5193,10 +5794,9 @@
           <a:lstStyle/>
           <a:p>
             <a:r>
-              <a:rPr lang="en-US" dirty="0" smtClean="0"/>
+              <a:rPr lang="en-US" dirty="0"/>
               <a:t>Unsupervised Learning – What?</a:t>
             </a:r>
-            <a:endParaRPr lang="en-US" dirty="0"/>
           </a:p>
         </p:txBody>
       </p:sp>
@@ -5216,40 +5816,39 @@
           <a:lstStyle/>
           <a:p>
             <a:r>
-              <a:rPr lang="en-US" dirty="0" smtClean="0"/>
+              <a:rPr lang="en-US" dirty="0"/>
               <a:t>Training set – { x</a:t>
             </a:r>
             <a:r>
-              <a:rPr lang="en-US" baseline="30000" dirty="0" smtClean="0"/>
+              <a:rPr lang="en-US" baseline="30000" dirty="0"/>
               <a:t>(1)</a:t>
             </a:r>
             <a:r>
-              <a:rPr lang="en-US" dirty="0" smtClean="0"/>
+              <a:rPr lang="en-US" dirty="0"/>
               <a:t>, x</a:t>
             </a:r>
             <a:r>
-              <a:rPr lang="en-US" baseline="30000" dirty="0" smtClean="0"/>
+              <a:rPr lang="en-US" baseline="30000" dirty="0"/>
               <a:t>(2)</a:t>
             </a:r>
             <a:r>
-              <a:rPr lang="en-US" dirty="0" smtClean="0"/>
+              <a:rPr lang="en-US" dirty="0"/>
               <a:t>, …, x</a:t>
             </a:r>
             <a:r>
-              <a:rPr lang="en-US" baseline="30000" dirty="0" smtClean="0"/>
+              <a:rPr lang="en-US" baseline="30000" dirty="0"/>
               <a:t>(m)</a:t>
             </a:r>
             <a:r>
-              <a:rPr lang="en-US" dirty="0" smtClean="0"/>
+              <a:rPr lang="en-US" dirty="0"/>
               <a:t>}</a:t>
             </a:r>
           </a:p>
           <a:p>
             <a:r>
-              <a:rPr lang="en-US" dirty="0" smtClean="0"/>
+              <a:rPr lang="en-US" dirty="0"/>
               <a:t>Unlabeled dataset</a:t>
             </a:r>
-            <a:endParaRPr lang="en-US" dirty="0"/>
           </a:p>
         </p:txBody>
       </p:sp>
@@ -5277,18 +5876,80 @@
           </a:prstGeom>
         </p:spPr>
       </p:pic>
+      <p:sp>
+        <p:nvSpPr>
+          <p:cNvPr id="4" name="Text Box 10">
+            <a:extLst>
+              <a:ext uri="{FF2B5EF4-FFF2-40B4-BE49-F238E27FC236}">
+                <a16:creationId xmlns:a16="http://schemas.microsoft.com/office/drawing/2014/main" id="{CF908389-832F-25AF-21D2-8063D872C3A9}"/>
+              </a:ext>
+            </a:extLst>
+          </p:cNvPr>
+          <p:cNvSpPr txBox="1">
+            <a:spLocks noChangeArrowheads="1"/>
+          </p:cNvSpPr>
+          <p:nvPr/>
+        </p:nvSpPr>
+        <p:spPr bwMode="auto">
+          <a:xfrm rot="10800000" flipV="1">
+            <a:off x="0" y="6519446"/>
+            <a:ext cx="1828800" cy="338554"/>
+          </a:xfrm>
+          <a:prstGeom prst="rect">
+            <a:avLst/>
+          </a:prstGeom>
+          <a:noFill/>
+          <a:ln w="9525">
+            <a:noFill/>
+            <a:miter lim="800000"/>
+            <a:headEnd/>
+            <a:tailEnd/>
+          </a:ln>
+          <a:effectLst/>
+        </p:spPr>
+        <p:txBody>
+          <a:bodyPr wrap="square">
+            <a:spAutoFit/>
+          </a:bodyPr>
+          <a:lstStyle/>
+          <a:p>
+            <a:pPr>
+              <a:spcBef>
+                <a:spcPct val="50000"/>
+              </a:spcBef>
+            </a:pPr>
+            <a:r>
+              <a:rPr lang="en-US" sz="1600" b="1" dirty="0">
+                <a:solidFill>
+                  <a:srgbClr val="FF0000"/>
+                </a:solidFill>
+              </a:rPr>
+              <a:t>Image </a:t>
+            </a:r>
+            <a:r>
+              <a:rPr lang="en-US" sz="1600" b="1" dirty="0" err="1">
+                <a:solidFill>
+                  <a:srgbClr val="FF0000"/>
+                </a:solidFill>
+              </a:rPr>
+              <a:t>ack</a:t>
+            </a:r>
+            <a:r>
+              <a:rPr lang="en-US" sz="1600" b="1" dirty="0">
+                <a:solidFill>
+                  <a:srgbClr val="FF0000"/>
+                </a:solidFill>
+              </a:rPr>
+              <a:t> – Google</a:t>
+            </a:r>
+          </a:p>
+        </p:txBody>
+      </p:sp>
     </p:spTree>
   </p:cSld>
   <p:clrMapOvr>
     <a:masterClrMapping/>
   </p:clrMapOvr>
-  <p:timing>
-    <p:tnLst>
-      <p:par>
-        <p:cTn id="1" dur="indefinite" restart="never" nodeType="tmRoot"/>
-      </p:par>
-    </p:tnLst>
-  </p:timing>
 </p:sld>
 </file>
 
@@ -5325,10 +5986,9 @@
           <a:lstStyle/>
           <a:p>
             <a:r>
-              <a:rPr lang="en-US" dirty="0" smtClean="0"/>
+              <a:rPr lang="en-US" dirty="0"/>
               <a:t>Unsupervised Learning – How?</a:t>
             </a:r>
-            <a:endParaRPr lang="en-US" dirty="0"/>
           </a:p>
         </p:txBody>
       </p:sp>
@@ -5348,19 +6008,19 @@
           <a:lstStyle/>
           <a:p>
             <a:r>
-              <a:rPr lang="en-US" dirty="0" smtClean="0"/>
+              <a:rPr lang="en-US" dirty="0"/>
               <a:t>Find structure of data</a:t>
             </a:r>
           </a:p>
           <a:p>
             <a:r>
-              <a:rPr lang="en-US" dirty="0" smtClean="0"/>
+              <a:rPr lang="en-US" dirty="0"/>
               <a:t>Group or cluster data</a:t>
             </a:r>
           </a:p>
           <a:p>
             <a:r>
-              <a:rPr lang="en-US" dirty="0" smtClean="0"/>
+              <a:rPr lang="en-US" dirty="0"/>
               <a:t>Extract useful information about data</a:t>
             </a:r>
           </a:p>
@@ -5438,7 +6098,7 @@
               <a:t>Image </a:t>
             </a:r>
             <a:r>
-              <a:rPr lang="en-US" sz="1600" b="1" dirty="0" err="1" smtClean="0">
+              <a:rPr lang="en-US" sz="1600" b="1" dirty="0" err="1">
                 <a:solidFill>
                   <a:srgbClr val="FF0000"/>
                 </a:solidFill>
@@ -5446,18 +6106,13 @@
               <a:t>ack</a:t>
             </a:r>
             <a:r>
-              <a:rPr lang="en-US" sz="1600" b="1" dirty="0" smtClean="0">
+              <a:rPr lang="en-US" sz="1600" b="1" dirty="0">
                 <a:solidFill>
                   <a:srgbClr val="FF0000"/>
                 </a:solidFill>
               </a:rPr>
               <a:t> – Google</a:t>
             </a:r>
-            <a:endParaRPr lang="en-US" sz="1600" b="1" dirty="0">
-              <a:solidFill>
-                <a:srgbClr val="FF0000"/>
-              </a:solidFill>
-            </a:endParaRPr>
           </a:p>
         </p:txBody>
       </p:sp>
@@ -5466,13 +6121,6 @@
   <p:clrMapOvr>
     <a:masterClrMapping/>
   </p:clrMapOvr>
-  <p:timing>
-    <p:tnLst>
-      <p:par>
-        <p:cTn id="1" dur="indefinite" restart="never" nodeType="tmRoot"/>
-      </p:par>
-    </p:tnLst>
-  </p:timing>
 </p:sld>
 </file>
 
@@ -5509,10 +6157,9 @@
           <a:lstStyle/>
           <a:p>
             <a:r>
-              <a:rPr lang="en-US" dirty="0" smtClean="0"/>
+              <a:rPr lang="en-US" dirty="0"/>
               <a:t>Applications</a:t>
             </a:r>
-            <a:endParaRPr lang="en-US" dirty="0"/>
           </a:p>
         </p:txBody>
       </p:sp>
@@ -5578,10 +6225,9 @@
             <a:p>
               <a:pPr algn="ctr"/>
               <a:r>
-                <a:rPr lang="en-US" b="1" dirty="0" smtClean="0"/>
+                <a:rPr lang="en-US" b="1" dirty="0"/>
                 <a:t>Market segmentation</a:t>
               </a:r>
-              <a:endParaRPr lang="en-US" b="1" dirty="0"/>
             </a:p>
           </p:txBody>
         </p:sp>
@@ -5648,10 +6294,9 @@
             <a:p>
               <a:pPr algn="ctr"/>
               <a:r>
-                <a:rPr lang="en-US" b="1" dirty="0" smtClean="0"/>
+                <a:rPr lang="en-US" b="1" dirty="0"/>
                 <a:t>Social network analysis</a:t>
               </a:r>
-              <a:endParaRPr lang="en-US" b="1" dirty="0"/>
             </a:p>
           </p:txBody>
         </p:sp>
@@ -5718,10 +6363,9 @@
             <a:p>
               <a:pPr algn="ctr"/>
               <a:r>
-                <a:rPr lang="en-US" b="1" dirty="0" smtClean="0"/>
+                <a:rPr lang="en-US" b="1" dirty="0"/>
                 <a:t>Computing cluster organization</a:t>
               </a:r>
-              <a:endParaRPr lang="en-US" b="1" dirty="0"/>
             </a:p>
           </p:txBody>
         </p:sp>
@@ -5788,10 +6432,9 @@
             <a:p>
               <a:pPr algn="ctr"/>
               <a:r>
-                <a:rPr lang="en-US" b="1" dirty="0" smtClean="0"/>
+                <a:rPr lang="en-US" b="1" dirty="0"/>
                 <a:t>Astronomical data analysis</a:t>
               </a:r>
-              <a:endParaRPr lang="en-US" b="1" dirty="0"/>
             </a:p>
           </p:txBody>
         </p:sp>
@@ -5841,7 +6484,7 @@
               <a:t>Image </a:t>
             </a:r>
             <a:r>
-              <a:rPr lang="en-US" sz="1600" b="1" dirty="0" err="1" smtClean="0">
+              <a:rPr lang="en-US" sz="1600" b="1" dirty="0" err="1">
                 <a:solidFill>
                   <a:srgbClr val="FF0000"/>
                 </a:solidFill>
@@ -5849,18 +6492,13 @@
               <a:t>ack</a:t>
             </a:r>
             <a:r>
-              <a:rPr lang="en-US" sz="1600" b="1" dirty="0" smtClean="0">
+              <a:rPr lang="en-US" sz="1600" b="1" dirty="0">
                 <a:solidFill>
                   <a:srgbClr val="FF0000"/>
                 </a:solidFill>
               </a:rPr>
               <a:t> – Google</a:t>
             </a:r>
-            <a:endParaRPr lang="en-US" sz="1600" b="1" dirty="0">
-              <a:solidFill>
-                <a:srgbClr val="FF0000"/>
-              </a:solidFill>
-            </a:endParaRPr>
           </a:p>
         </p:txBody>
       </p:sp>
@@ -5869,13 +6507,6 @@
   <p:clrMapOvr>
     <a:masterClrMapping/>
   </p:clrMapOvr>
-  <p:timing>
-    <p:tnLst>
-      <p:par>
-        <p:cTn id="1" dur="indefinite" restart="never" nodeType="tmRoot"/>
-      </p:par>
-    </p:tnLst>
-  </p:timing>
 </p:sld>
 </file>
 
@@ -5912,10 +6543,9 @@
           <a:lstStyle/>
           <a:p>
             <a:r>
-              <a:rPr lang="en-US" dirty="0" smtClean="0"/>
-              <a:t>Clustering – Market Segmentation</a:t>
-            </a:r>
-            <a:endParaRPr lang="en-US" dirty="0"/>
+              <a:rPr lang="en-US" dirty="0"/>
+              <a:t>Market Segmentation</a:t>
+            </a:r>
           </a:p>
         </p:txBody>
       </p:sp>
@@ -5935,22 +6565,21 @@
           <a:lstStyle/>
           <a:p>
             <a:r>
-              <a:rPr lang="en-US" dirty="0" smtClean="0"/>
+              <a:rPr lang="en-US" dirty="0"/>
               <a:t>Customer database</a:t>
             </a:r>
           </a:p>
           <a:p>
             <a:r>
-              <a:rPr lang="en-US" dirty="0" smtClean="0"/>
+              <a:rPr lang="en-US" dirty="0"/>
               <a:t>Group into market segments</a:t>
             </a:r>
           </a:p>
           <a:p>
             <a:r>
-              <a:rPr lang="en-US" dirty="0" smtClean="0"/>
+              <a:rPr lang="en-US" dirty="0"/>
               <a:t>Serve market segments differently  </a:t>
             </a:r>
-            <a:endParaRPr lang="en-US" dirty="0"/>
           </a:p>
         </p:txBody>
       </p:sp>
@@ -6023,7 +6652,7 @@
               <a:t>Image </a:t>
             </a:r>
             <a:r>
-              <a:rPr lang="en-US" sz="1600" b="1" dirty="0" err="1" smtClean="0">
+              <a:rPr lang="en-US" sz="1600" b="1" dirty="0" err="1">
                 <a:solidFill>
                   <a:srgbClr val="FF0000"/>
                 </a:solidFill>
@@ -6031,18 +6660,13 @@
               <a:t>ack</a:t>
             </a:r>
             <a:r>
-              <a:rPr lang="en-US" sz="1600" b="1" dirty="0" smtClean="0">
+              <a:rPr lang="en-US" sz="1600" b="1" dirty="0">
                 <a:solidFill>
                   <a:srgbClr val="FF0000"/>
                 </a:solidFill>
               </a:rPr>
               <a:t> – Google</a:t>
             </a:r>
-            <a:endParaRPr lang="en-US" sz="1600" b="1" dirty="0">
-              <a:solidFill>
-                <a:srgbClr val="FF0000"/>
-              </a:solidFill>
-            </a:endParaRPr>
           </a:p>
         </p:txBody>
       </p:sp>
@@ -6051,13 +6675,6 @@
   <p:clrMapOvr>
     <a:masterClrMapping/>
   </p:clrMapOvr>
-  <p:timing>
-    <p:tnLst>
-      <p:par>
-        <p:cTn id="1" dur="indefinite" restart="never" nodeType="tmRoot"/>
-      </p:par>
-    </p:tnLst>
-  </p:timing>
 </p:sld>
 </file>
 
@@ -6091,15 +6708,14 @@
         <p:spPr/>
         <p:txBody>
           <a:bodyPr>
-            <a:normAutofit fontScale="90000"/>
+            <a:normAutofit/>
           </a:bodyPr>
           <a:lstStyle/>
           <a:p>
             <a:r>
-              <a:rPr lang="en-US" dirty="0" smtClean="0"/>
-              <a:t>Clustering – Social Network Analysis</a:t>
-            </a:r>
-            <a:endParaRPr lang="en-US" dirty="0"/>
+              <a:rPr lang="en-US" dirty="0"/>
+              <a:t>Social Network Analysis</a:t>
+            </a:r>
           </a:p>
         </p:txBody>
       </p:sp>
@@ -6119,19 +6735,19 @@
           <a:lstStyle/>
           <a:p>
             <a:r>
-              <a:rPr lang="en-US" dirty="0" smtClean="0"/>
+              <a:rPr lang="en-US" dirty="0"/>
               <a:t>Users send mails frequently</a:t>
             </a:r>
           </a:p>
           <a:p>
             <a:r>
-              <a:rPr lang="en-US" dirty="0" smtClean="0"/>
+              <a:rPr lang="en-US" dirty="0"/>
               <a:t>Users receive mails frequently</a:t>
             </a:r>
           </a:p>
           <a:p>
             <a:r>
-              <a:rPr lang="en-US" dirty="0" smtClean="0"/>
+              <a:rPr lang="en-US" dirty="0"/>
               <a:t>Coherence group of users</a:t>
             </a:r>
           </a:p>
@@ -6209,7 +6825,7 @@
               <a:t>Image </a:t>
             </a:r>
             <a:r>
-              <a:rPr lang="en-US" sz="1600" b="1" dirty="0" err="1" smtClean="0">
+              <a:rPr lang="en-US" sz="1600" b="1" dirty="0" err="1">
                 <a:solidFill>
                   <a:srgbClr val="FF0000"/>
                 </a:solidFill>
@@ -6217,18 +6833,13 @@
               <a:t>ack</a:t>
             </a:r>
             <a:r>
-              <a:rPr lang="en-US" sz="1600" b="1" dirty="0" smtClean="0">
+              <a:rPr lang="en-US" sz="1600" b="1" dirty="0">
                 <a:solidFill>
                   <a:srgbClr val="FF0000"/>
                 </a:solidFill>
               </a:rPr>
               <a:t> – Google</a:t>
             </a:r>
-            <a:endParaRPr lang="en-US" sz="1600" b="1" dirty="0">
-              <a:solidFill>
-                <a:srgbClr val="FF0000"/>
-              </a:solidFill>
-            </a:endParaRPr>
           </a:p>
         </p:txBody>
       </p:sp>
@@ -6237,13 +6848,6 @@
   <p:clrMapOvr>
     <a:masterClrMapping/>
   </p:clrMapOvr>
-  <p:timing>
-    <p:tnLst>
-      <p:par>
-        <p:cTn id="1" dur="indefinite" restart="never" nodeType="tmRoot"/>
-      </p:par>
-    </p:tnLst>
-  </p:timing>
 </p:sld>
 </file>
 
@@ -6252,7 +6856,13 @@
   <p:cSld>
     <p:spTree>
       <p:nvGrpSpPr>
-        <p:cNvPr id="1" name=""/>
+        <p:cNvPr id="1" name="">
+          <a:extLst>
+            <a:ext uri="{FF2B5EF4-FFF2-40B4-BE49-F238E27FC236}">
+              <a16:creationId xmlns:a16="http://schemas.microsoft.com/office/drawing/2014/main" id="{21541094-02C0-7DC8-81A1-45EA768D455B}"/>
+            </a:ext>
+          </a:extLst>
+        </p:cNvPr>
         <p:cNvGrpSpPr/>
         <p:nvPr/>
       </p:nvGrpSpPr>
@@ -6266,7 +6876,13 @@
       </p:grpSpPr>
       <p:sp>
         <p:nvSpPr>
-          <p:cNvPr id="2" name="Title 1"/>
+          <p:cNvPr id="2" name="Title 1">
+            <a:extLst>
+              <a:ext uri="{FF2B5EF4-FFF2-40B4-BE49-F238E27FC236}">
+                <a16:creationId xmlns:a16="http://schemas.microsoft.com/office/drawing/2014/main" id="{E30FB64F-AB6F-4839-D790-77919D0E80B1}"/>
+              </a:ext>
+            </a:extLst>
+          </p:cNvPr>
           <p:cNvSpPr>
             <a:spLocks noGrp="1"/>
           </p:cNvSpPr>
@@ -6276,24 +6892,27 @@
         </p:nvSpPr>
         <p:spPr/>
         <p:txBody>
-          <a:bodyPr/>
-          <a:lstStyle/>
-          <a:p>
-            <a:r>
-              <a:rPr lang="en-US" dirty="0" smtClean="0"/>
-              <a:t>K </a:t>
-            </a:r>
-            <a:r>
-              <a:rPr lang="en-US" smtClean="0"/>
-              <a:t>Means Clustering</a:t>
-            </a:r>
-            <a:endParaRPr lang="en-US" dirty="0"/>
-          </a:p>
-        </p:txBody>
-      </p:sp>
-      <p:sp>
-        <p:nvSpPr>
-          <p:cNvPr id="3" name="Content Placeholder 2"/>
+          <a:bodyPr>
+            <a:normAutofit/>
+          </a:bodyPr>
+          <a:lstStyle/>
+          <a:p>
+            <a:r>
+              <a:rPr lang="en-US" dirty="0"/>
+              <a:t>Computing Cluster Organization</a:t>
+            </a:r>
+          </a:p>
+        </p:txBody>
+      </p:sp>
+      <p:sp>
+        <p:nvSpPr>
+          <p:cNvPr id="3" name="Content Placeholder 2">
+            <a:extLst>
+              <a:ext uri="{FF2B5EF4-FFF2-40B4-BE49-F238E27FC236}">
+                <a16:creationId xmlns:a16="http://schemas.microsoft.com/office/drawing/2014/main" id="{A5D4CDDB-0829-B21E-5020-45F930912CDD}"/>
+              </a:ext>
+            </a:extLst>
+          </p:cNvPr>
           <p:cNvSpPr>
             <a:spLocks noGrp="1"/>
           </p:cNvSpPr>
@@ -6303,67 +6922,164 @@
         </p:nvSpPr>
         <p:spPr/>
         <p:txBody>
-          <a:bodyPr>
-            <a:normAutofit fontScale="92500" lnSpcReduction="10000"/>
+          <a:bodyPr/>
+          <a:lstStyle/>
+          <a:p>
+            <a:r>
+              <a:rPr lang="en-US" dirty="0"/>
+              <a:t>Compactness – Similarity within a cluster</a:t>
+            </a:r>
+          </a:p>
+          <a:p>
+            <a:r>
+              <a:rPr lang="en-US" dirty="0"/>
+              <a:t>Separation – Difference between clusters</a:t>
+            </a:r>
+          </a:p>
+          <a:p>
+            <a:r>
+              <a:rPr lang="en-US" dirty="0"/>
+              <a:t>Different nodes</a:t>
+            </a:r>
+          </a:p>
+          <a:p>
+            <a:pPr lvl="1"/>
+            <a:r>
+              <a:rPr lang="en-US" dirty="0"/>
+              <a:t>Compute node</a:t>
+            </a:r>
+          </a:p>
+          <a:p>
+            <a:pPr lvl="1"/>
+            <a:r>
+              <a:rPr lang="en-US" dirty="0"/>
+              <a:t>Data node</a:t>
+            </a:r>
+          </a:p>
+          <a:p>
+            <a:pPr lvl="1"/>
+            <a:r>
+              <a:rPr lang="en-US" dirty="0"/>
+              <a:t>GPU vs CPU nodes</a:t>
+            </a:r>
+          </a:p>
+          <a:p>
+            <a:r>
+              <a:rPr lang="en-US" dirty="0"/>
+              <a:t>Different applications</a:t>
+            </a:r>
+          </a:p>
+        </p:txBody>
+      </p:sp>
+      <p:sp>
+        <p:nvSpPr>
+          <p:cNvPr id="5" name="Text Box 10">
+            <a:extLst>
+              <a:ext uri="{FF2B5EF4-FFF2-40B4-BE49-F238E27FC236}">
+                <a16:creationId xmlns:a16="http://schemas.microsoft.com/office/drawing/2014/main" id="{1C89043B-B89B-BBA8-436A-2EA498516E0C}"/>
+              </a:ext>
+            </a:extLst>
+          </p:cNvPr>
+          <p:cNvSpPr txBox="1">
+            <a:spLocks noChangeArrowheads="1"/>
+          </p:cNvSpPr>
+          <p:nvPr/>
+        </p:nvSpPr>
+        <p:spPr bwMode="auto">
+          <a:xfrm rot="10800000" flipV="1">
+            <a:off x="0" y="6519446"/>
+            <a:ext cx="1828800" cy="338554"/>
+          </a:xfrm>
+          <a:prstGeom prst="rect">
+            <a:avLst/>
+          </a:prstGeom>
+          <a:noFill/>
+          <a:ln w="9525">
+            <a:noFill/>
+            <a:miter lim="800000"/>
+            <a:headEnd/>
+            <a:tailEnd/>
+          </a:ln>
+          <a:effectLst/>
+        </p:spPr>
+        <p:txBody>
+          <a:bodyPr wrap="square">
+            <a:spAutoFit/>
           </a:bodyPr>
           <a:lstStyle/>
           <a:p>
-            <a:r>
-              <a:rPr lang="en-IN" dirty="0" smtClean="0"/>
-              <a:t>Unsupervised learning – Unlabeled dataset</a:t>
-            </a:r>
-          </a:p>
-          <a:p>
-            <a:r>
-              <a:rPr lang="en-IN" dirty="0" smtClean="0"/>
-              <a:t>Centroid based algorithm</a:t>
-            </a:r>
-          </a:p>
-          <a:p>
-            <a:r>
-              <a:rPr lang="en-IN" dirty="0" smtClean="0"/>
-              <a:t>Iterative algorithm</a:t>
-            </a:r>
-          </a:p>
-          <a:p>
-            <a:r>
-              <a:rPr lang="en-IN" dirty="0" smtClean="0"/>
-              <a:t>K – Number of pre-defined clusters</a:t>
-            </a:r>
-          </a:p>
-          <a:p>
-            <a:r>
-              <a:rPr lang="en-IN" dirty="0" smtClean="0"/>
-              <a:t>Divide dataset into K different clusters</a:t>
-            </a:r>
-          </a:p>
-          <a:p>
-            <a:r>
-              <a:rPr lang="en-IN" dirty="0" smtClean="0"/>
-              <a:t>Decrease distance between samples from same cluster</a:t>
-            </a:r>
-          </a:p>
-          <a:p>
-            <a:r>
-              <a:rPr lang="en-IN" dirty="0" smtClean="0"/>
-              <a:t>Increase distance between samples from different clusters</a:t>
-            </a:r>
-            <a:endParaRPr lang="en-US" dirty="0"/>
-          </a:p>
-        </p:txBody>
-      </p:sp>
+            <a:pPr>
+              <a:spcBef>
+                <a:spcPct val="50000"/>
+              </a:spcBef>
+            </a:pPr>
+            <a:r>
+              <a:rPr lang="en-US" sz="1600" b="1" dirty="0">
+                <a:solidFill>
+                  <a:srgbClr val="FF0000"/>
+                </a:solidFill>
+              </a:rPr>
+              <a:t>Image </a:t>
+            </a:r>
+            <a:r>
+              <a:rPr lang="en-US" sz="1600" b="1" dirty="0" err="1">
+                <a:solidFill>
+                  <a:srgbClr val="FF0000"/>
+                </a:solidFill>
+              </a:rPr>
+              <a:t>ack</a:t>
+            </a:r>
+            <a:r>
+              <a:rPr lang="en-US" sz="1600" b="1" dirty="0">
+                <a:solidFill>
+                  <a:srgbClr val="FF0000"/>
+                </a:solidFill>
+              </a:rPr>
+              <a:t> – Google</a:t>
+            </a:r>
+          </a:p>
+        </p:txBody>
+      </p:sp>
+      <p:pic>
+        <p:nvPicPr>
+          <p:cNvPr id="6" name="Picture 5" descr="OrganizeComputingClusters.jpg">
+            <a:extLst>
+              <a:ext uri="{FF2B5EF4-FFF2-40B4-BE49-F238E27FC236}">
+                <a16:creationId xmlns:a16="http://schemas.microsoft.com/office/drawing/2014/main" id="{EC08CB8C-E5E2-9E91-12B8-9291C79B1782}"/>
+              </a:ext>
+            </a:extLst>
+          </p:cNvPr>
+          <p:cNvPicPr>
+            <a:picLocks noChangeAspect="1"/>
+          </p:cNvPicPr>
+          <p:nvPr/>
+        </p:nvPicPr>
+        <p:blipFill>
+          <a:blip r:embed="rId3" cstate="print"/>
+          <a:stretch>
+            <a:fillRect/>
+          </a:stretch>
+        </p:blipFill>
+        <p:spPr>
+          <a:xfrm>
+            <a:off x="5334000" y="3886200"/>
+            <a:ext cx="3501670" cy="2626592"/>
+          </a:xfrm>
+          <a:prstGeom prst="rect">
+            <a:avLst/>
+          </a:prstGeom>
+        </p:spPr>
+      </p:pic>
     </p:spTree>
+    <p:extLst>
+      <p:ext uri="{BB962C8B-B14F-4D97-AF65-F5344CB8AC3E}">
+        <p14:creationId xmlns:p14="http://schemas.microsoft.com/office/powerpoint/2010/main" val="790797857"/>
+      </p:ext>
+    </p:extLst>
   </p:cSld>
   <p:clrMapOvr>
     <a:masterClrMapping/>
   </p:clrMapOvr>
-  <p:timing>
-    <p:tnLst>
-      <p:par>
-        <p:cTn id="1" dur="indefinite" restart="never" nodeType="tmRoot"/>
-      </p:par>
-    </p:tnLst>
-  </p:timing>
 </p:sld>
 </file>
 
